--- a/local reference.pptx
+++ b/local reference.pptx
@@ -5,49 +5,55 @@
     <p:sldMasterId id="2147483652" r:id="rId1"/>
   </p:sldMasterIdLst>
   <p:notesMasterIdLst>
-    <p:notesMasterId r:id="rId39"/>
+    <p:notesMasterId r:id="rId45"/>
   </p:notesMasterIdLst>
   <p:handoutMasterIdLst>
-    <p:handoutMasterId r:id="rId40"/>
+    <p:handoutMasterId r:id="rId46"/>
   </p:handoutMasterIdLst>
   <p:sldIdLst>
     <p:sldId id="425" r:id="rId2"/>
     <p:sldId id="668" r:id="rId3"/>
     <p:sldId id="669" r:id="rId4"/>
-    <p:sldId id="671" r:id="rId5"/>
-    <p:sldId id="672" r:id="rId6"/>
-    <p:sldId id="674" r:id="rId7"/>
-    <p:sldId id="675" r:id="rId8"/>
-    <p:sldId id="676" r:id="rId9"/>
-    <p:sldId id="677" r:id="rId10"/>
-    <p:sldId id="678" r:id="rId11"/>
-    <p:sldId id="679" r:id="rId12"/>
-    <p:sldId id="681" r:id="rId13"/>
-    <p:sldId id="682" r:id="rId14"/>
-    <p:sldId id="683" r:id="rId15"/>
-    <p:sldId id="684" r:id="rId16"/>
-    <p:sldId id="685" r:id="rId17"/>
-    <p:sldId id="686" r:id="rId18"/>
-    <p:sldId id="688" r:id="rId19"/>
-    <p:sldId id="689" r:id="rId20"/>
-    <p:sldId id="690" r:id="rId21"/>
-    <p:sldId id="691" r:id="rId22"/>
-    <p:sldId id="692" r:id="rId23"/>
-    <p:sldId id="693" r:id="rId24"/>
-    <p:sldId id="694" r:id="rId25"/>
-    <p:sldId id="695" r:id="rId26"/>
-    <p:sldId id="696" r:id="rId27"/>
-    <p:sldId id="698" r:id="rId28"/>
-    <p:sldId id="699" r:id="rId29"/>
-    <p:sldId id="700" r:id="rId30"/>
-    <p:sldId id="701" r:id="rId31"/>
-    <p:sldId id="702" r:id="rId32"/>
-    <p:sldId id="703" r:id="rId33"/>
-    <p:sldId id="704" r:id="rId34"/>
-    <p:sldId id="705" r:id="rId35"/>
-    <p:sldId id="706" r:id="rId36"/>
-    <p:sldId id="707" r:id="rId37"/>
-    <p:sldId id="661" r:id="rId38"/>
+    <p:sldId id="670" r:id="rId5"/>
+    <p:sldId id="671" r:id="rId6"/>
+    <p:sldId id="672" r:id="rId7"/>
+    <p:sldId id="673" r:id="rId8"/>
+    <p:sldId id="674" r:id="rId9"/>
+    <p:sldId id="675" r:id="rId10"/>
+    <p:sldId id="676" r:id="rId11"/>
+    <p:sldId id="677" r:id="rId12"/>
+    <p:sldId id="678" r:id="rId13"/>
+    <p:sldId id="679" r:id="rId14"/>
+    <p:sldId id="680" r:id="rId15"/>
+    <p:sldId id="681" r:id="rId16"/>
+    <p:sldId id="682" r:id="rId17"/>
+    <p:sldId id="683" r:id="rId18"/>
+    <p:sldId id="684" r:id="rId19"/>
+    <p:sldId id="685" r:id="rId20"/>
+    <p:sldId id="686" r:id="rId21"/>
+    <p:sldId id="687" r:id="rId22"/>
+    <p:sldId id="688" r:id="rId23"/>
+    <p:sldId id="689" r:id="rId24"/>
+    <p:sldId id="690" r:id="rId25"/>
+    <p:sldId id="691" r:id="rId26"/>
+    <p:sldId id="692" r:id="rId27"/>
+    <p:sldId id="693" r:id="rId28"/>
+    <p:sldId id="694" r:id="rId29"/>
+    <p:sldId id="695" r:id="rId30"/>
+    <p:sldId id="696" r:id="rId31"/>
+    <p:sldId id="697" r:id="rId32"/>
+    <p:sldId id="698" r:id="rId33"/>
+    <p:sldId id="699" r:id="rId34"/>
+    <p:sldId id="700" r:id="rId35"/>
+    <p:sldId id="701" r:id="rId36"/>
+    <p:sldId id="702" r:id="rId37"/>
+    <p:sldId id="703" r:id="rId38"/>
+    <p:sldId id="704" r:id="rId39"/>
+    <p:sldId id="705" r:id="rId40"/>
+    <p:sldId id="706" r:id="rId41"/>
+    <p:sldId id="707" r:id="rId42"/>
+    <p:sldId id="667" r:id="rId43"/>
+    <p:sldId id="661" r:id="rId44"/>
   </p:sldIdLst>
   <p:sldSz cx="9144000" cy="6858000" type="screen4x3"/>
   <p:notesSz cx="7010400" cy="9296400"/>
@@ -176,36 +182,6 @@
       </a:defRPr>
     </a:lvl9pPr>
   </p:defaultTextStyle>
-  <p:extLst>
-    <p:ext uri="{EFAFB233-063F-42B5-8137-9DF3F51BA10A}">
-      <p15:sldGuideLst xmlns:p15="http://schemas.microsoft.com/office/powerpoint/2012/main">
-        <p15:guide id="1" orient="horz" pos="2160">
-          <p15:clr>
-            <a:srgbClr val="A4A3A4"/>
-          </p15:clr>
-        </p15:guide>
-        <p15:guide id="2" pos="2880">
-          <p15:clr>
-            <a:srgbClr val="A4A3A4"/>
-          </p15:clr>
-        </p15:guide>
-      </p15:sldGuideLst>
-    </p:ext>
-    <p:ext uri="{2D200454-40CA-4A62-9FC3-DE9A4176ACB9}">
-      <p15:notesGuideLst xmlns:p15="http://schemas.microsoft.com/office/powerpoint/2012/main">
-        <p15:guide id="1" orient="horz" pos="2928">
-          <p15:clr>
-            <a:srgbClr val="A4A3A4"/>
-          </p15:clr>
-        </p15:guide>
-        <p15:guide id="2" pos="2208">
-          <p15:clr>
-            <a:srgbClr val="A4A3A4"/>
-          </p15:clr>
-        </p15:guide>
-      </p15:notesGuideLst>
-    </p:ext>
-  </p:extLst>
 </p:presentation>
 </file>
 
@@ -487,11 +463,6 @@
         </p:txBody>
       </p:sp>
     </p:spTree>
-    <p:extLst>
-      <p:ext uri="{BB962C8B-B14F-4D97-AF65-F5344CB8AC3E}">
-        <p14:creationId xmlns:p14="http://schemas.microsoft.com/office/powerpoint/2010/main" val="2601919943"/>
-      </p:ext>
-    </p:extLst>
   </p:cSld>
   <p:clrMap bg1="lt1" tx1="dk1" bg2="lt2" tx2="dk2" accent1="accent1" accent2="accent2" accent3="accent3" accent4="accent4" accent5="accent5" accent6="accent6" hlink="hlink" folHlink="folHlink"/>
 </p:handoutMaster>
@@ -834,11 +805,6 @@
         </p:txBody>
       </p:sp>
     </p:spTree>
-    <p:extLst>
-      <p:ext uri="{BB962C8B-B14F-4D97-AF65-F5344CB8AC3E}">
-        <p14:creationId xmlns:p14="http://schemas.microsoft.com/office/powerpoint/2010/main" val="2813726715"/>
-      </p:ext>
-    </p:extLst>
   </p:cSld>
   <p:clrMap bg1="lt1" tx1="dk1" bg2="lt2" tx2="dk2" accent1="accent1" accent2="accent2" accent3="accent3" accent4="accent4" accent5="accent5" accent6="accent6" hlink="hlink" folHlink="folHlink"/>
   <p:hf hdr="0" dt="0"/>
@@ -1174,11 +1140,6 @@
         </p:txBody>
       </p:sp>
     </p:spTree>
-    <p:extLst>
-      <p:ext uri="{BB962C8B-B14F-4D97-AF65-F5344CB8AC3E}">
-        <p14:creationId xmlns:p14="http://schemas.microsoft.com/office/powerpoint/2010/main" val="1331941497"/>
-      </p:ext>
-    </p:extLst>
   </p:cSld>
   <p:clrMapOvr>
     <a:masterClrMapping/>
@@ -1189,6 +1150,14 @@
 <file path=ppt/notesSlides/notesSlide2.xml><?xml version="1.0" encoding="utf-8"?>
 <p:notes xmlns:a="http://schemas.openxmlformats.org/drawingml/2006/main" xmlns:r="http://schemas.openxmlformats.org/officeDocument/2006/relationships" xmlns:p="http://schemas.openxmlformats.org/presentationml/2006/main">
   <p:cSld>
+    <p:bg>
+      <p:bgPr>
+        <a:solidFill>
+          <a:srgbClr val="FFFFFF"/>
+        </a:solidFill>
+        <a:effectLst/>
+      </p:bgPr>
+    </p:bg>
     <p:spTree>
       <p:nvGrpSpPr>
         <p:cNvPr id="1" name=""/>
@@ -1205,49 +1174,49 @@
       </p:grpSpPr>
       <p:sp>
         <p:nvSpPr>
-          <p:cNvPr id="55298" name="Slide Image Placeholder 1"/>
-          <p:cNvSpPr>
-            <a:spLocks noGrp="1" noRot="1" noChangeAspect="1" noTextEdit="1"/>
+          <p:cNvPr id="53250" name="Rectangle 2"/>
+          <p:cNvSpPr>
+            <a:spLocks noGrp="1" noRot="1" noChangeAspect="1" noChangeArrowheads="1" noTextEdit="1"/>
           </p:cNvSpPr>
           <p:nvPr>
             <p:ph type="sldImg"/>
           </p:nvPr>
         </p:nvSpPr>
         <p:spPr>
+          <a:xfrm>
+            <a:off x="1235340" y="684011"/>
+            <a:ext cx="4617310" cy="3498447"/>
+          </a:xfrm>
           <a:ln/>
         </p:spPr>
       </p:sp>
       <p:sp>
         <p:nvSpPr>
-          <p:cNvPr id="55299" name="Notes Placeholder 2"/>
+          <p:cNvPr id="53251" name="Rectangle 3"/>
           <p:cNvSpPr txBox="1">
-            <a:spLocks noGrp="1"/>
+            <a:spLocks noGrp="1" noChangeArrowheads="1"/>
           </p:cNvSpPr>
           <p:nvPr>
             <p:ph type="body" idx="1"/>
           </p:nvPr>
         </p:nvSpPr>
         <p:spPr>
+          <a:xfrm>
+            <a:off x="935634" y="4411487"/>
+            <a:ext cx="5218245" cy="4183995"/>
+          </a:xfrm>
           <a:noFill/>
           <a:ln/>
         </p:spPr>
         <p:txBody>
-          <a:bodyPr/>
+          <a:bodyPr wrap="none" anchor="ctr"/>
           <a:lstStyle/>
           <a:p>
-            <a:r>
-              <a:rPr lang="en-US" smtClean="0"/>
-              <a:t>Vetting table – Each value specified in vetting table should be defined in a single table/application.</a:t>
-            </a:r>
+            <a:endParaRPr lang="en-US" smtClean="0"/>
           </a:p>
         </p:txBody>
       </p:sp>
     </p:spTree>
-    <p:extLst>
-      <p:ext uri="{BB962C8B-B14F-4D97-AF65-F5344CB8AC3E}">
-        <p14:creationId xmlns:p14="http://schemas.microsoft.com/office/powerpoint/2010/main" val="1184709341"/>
-      </p:ext>
-    </p:extLst>
   </p:cSld>
   <p:clrMapOvr>
     <a:masterClrMapping/>
@@ -1258,6 +1227,14 @@
 <file path=ppt/notesSlides/notesSlide3.xml><?xml version="1.0" encoding="utf-8"?>
 <p:notes xmlns:a="http://schemas.openxmlformats.org/drawingml/2006/main" xmlns:r="http://schemas.openxmlformats.org/officeDocument/2006/relationships" xmlns:p="http://schemas.openxmlformats.org/presentationml/2006/main">
   <p:cSld>
+    <p:bg>
+      <p:bgPr>
+        <a:solidFill>
+          <a:srgbClr val="FFFFFF"/>
+        </a:solidFill>
+        <a:effectLst/>
+      </p:bgPr>
+    </p:bg>
     <p:spTree>
       <p:nvGrpSpPr>
         <p:cNvPr id="1" name=""/>
@@ -1274,7 +1251,7 @@
       </p:grpSpPr>
       <p:sp>
         <p:nvSpPr>
-          <p:cNvPr id="56322" name="Rectangle 2"/>
+          <p:cNvPr id="54274" name="Rectangle 2"/>
           <p:cNvSpPr>
             <a:spLocks noGrp="1" noRot="1" noChangeAspect="1" noChangeArrowheads="1" noTextEdit="1"/>
           </p:cNvSpPr>
@@ -1283,12 +1260,16 @@
           </p:nvPr>
         </p:nvSpPr>
         <p:spPr>
+          <a:xfrm>
+            <a:off x="1235340" y="684011"/>
+            <a:ext cx="4617310" cy="3498447"/>
+          </a:xfrm>
           <a:ln/>
         </p:spPr>
       </p:sp>
       <p:sp>
         <p:nvSpPr>
-          <p:cNvPr id="56323" name="Rectangle 3"/>
+          <p:cNvPr id="54275" name="Rectangle 3"/>
           <p:cNvSpPr txBox="1">
             <a:spLocks noGrp="1" noChangeArrowheads="1"/>
           </p:cNvSpPr>
@@ -1297,11 +1278,15 @@
           </p:nvPr>
         </p:nvSpPr>
         <p:spPr>
+          <a:xfrm>
+            <a:off x="935634" y="4411487"/>
+            <a:ext cx="5218245" cy="4183995"/>
+          </a:xfrm>
           <a:noFill/>
           <a:ln/>
         </p:spPr>
         <p:txBody>
-          <a:bodyPr/>
+          <a:bodyPr wrap="none" anchor="ctr"/>
           <a:lstStyle/>
           <a:p>
             <a:endParaRPr lang="en-US" smtClean="0"/>
@@ -1309,11 +1294,6 @@
         </p:txBody>
       </p:sp>
     </p:spTree>
-    <p:extLst>
-      <p:ext uri="{BB962C8B-B14F-4D97-AF65-F5344CB8AC3E}">
-        <p14:creationId xmlns:p14="http://schemas.microsoft.com/office/powerpoint/2010/main" val="3819219988"/>
-      </p:ext>
-    </p:extLst>
   </p:cSld>
   <p:clrMapOvr>
     <a:masterClrMapping/>
@@ -1340,6 +1320,362 @@
       </p:grpSpPr>
       <p:sp>
         <p:nvSpPr>
+          <p:cNvPr id="55298" name="Slide Image Placeholder 1"/>
+          <p:cNvSpPr>
+            <a:spLocks noGrp="1" noRot="1" noChangeAspect="1" noTextEdit="1"/>
+          </p:cNvSpPr>
+          <p:nvPr>
+            <p:ph type="sldImg"/>
+          </p:nvPr>
+        </p:nvSpPr>
+        <p:spPr>
+          <a:ln/>
+        </p:spPr>
+      </p:sp>
+      <p:sp>
+        <p:nvSpPr>
+          <p:cNvPr id="55299" name="Notes Placeholder 2"/>
+          <p:cNvSpPr txBox="1">
+            <a:spLocks noGrp="1"/>
+          </p:cNvSpPr>
+          <p:nvPr>
+            <p:ph type="body" idx="1"/>
+          </p:nvPr>
+        </p:nvSpPr>
+        <p:spPr>
+          <a:noFill/>
+          <a:ln/>
+        </p:spPr>
+        <p:txBody>
+          <a:bodyPr/>
+          <a:lstStyle/>
+          <a:p>
+            <a:r>
+              <a:rPr lang="en-US" smtClean="0"/>
+              <a:t>Vetting table – Each value specified in vetting table should be defined in a single table/application.</a:t>
+            </a:r>
+          </a:p>
+        </p:txBody>
+      </p:sp>
+    </p:spTree>
+  </p:cSld>
+  <p:clrMapOvr>
+    <a:masterClrMapping/>
+  </p:clrMapOvr>
+</p:notes>
+</file>
+
+<file path=ppt/notesSlides/notesSlide5.xml><?xml version="1.0" encoding="utf-8"?>
+<p:notes xmlns:a="http://schemas.openxmlformats.org/drawingml/2006/main" xmlns:r="http://schemas.openxmlformats.org/officeDocument/2006/relationships" xmlns:p="http://schemas.openxmlformats.org/presentationml/2006/main">
+  <p:cSld>
+    <p:spTree>
+      <p:nvGrpSpPr>
+        <p:cNvPr id="1" name=""/>
+        <p:cNvGrpSpPr/>
+        <p:nvPr/>
+      </p:nvGrpSpPr>
+      <p:grpSpPr>
+        <a:xfrm>
+          <a:off x="0" y="0"/>
+          <a:ext cx="0" cy="0"/>
+          <a:chOff x="0" y="0"/>
+          <a:chExt cx="0" cy="0"/>
+        </a:xfrm>
+      </p:grpSpPr>
+      <p:sp>
+        <p:nvSpPr>
+          <p:cNvPr id="56322" name="Rectangle 2"/>
+          <p:cNvSpPr>
+            <a:spLocks noGrp="1" noRot="1" noChangeAspect="1" noChangeArrowheads="1" noTextEdit="1"/>
+          </p:cNvSpPr>
+          <p:nvPr>
+            <p:ph type="sldImg"/>
+          </p:nvPr>
+        </p:nvSpPr>
+        <p:spPr>
+          <a:ln/>
+        </p:spPr>
+      </p:sp>
+      <p:sp>
+        <p:nvSpPr>
+          <p:cNvPr id="56323" name="Rectangle 3"/>
+          <p:cNvSpPr txBox="1">
+            <a:spLocks noGrp="1" noChangeArrowheads="1"/>
+          </p:cNvSpPr>
+          <p:nvPr>
+            <p:ph type="body" idx="1"/>
+          </p:nvPr>
+        </p:nvSpPr>
+        <p:spPr>
+          <a:noFill/>
+          <a:ln/>
+        </p:spPr>
+        <p:txBody>
+          <a:bodyPr/>
+          <a:lstStyle/>
+          <a:p>
+            <a:endParaRPr lang="en-US" smtClean="0"/>
+          </a:p>
+        </p:txBody>
+      </p:sp>
+    </p:spTree>
+  </p:cSld>
+  <p:clrMapOvr>
+    <a:masterClrMapping/>
+  </p:clrMapOvr>
+</p:notes>
+</file>
+
+<file path=ppt/notesSlides/notesSlide6.xml><?xml version="1.0" encoding="utf-8"?>
+<p:notes xmlns:a="http://schemas.openxmlformats.org/drawingml/2006/main" xmlns:r="http://schemas.openxmlformats.org/officeDocument/2006/relationships" xmlns:p="http://schemas.openxmlformats.org/presentationml/2006/main">
+  <p:cSld>
+    <p:bg>
+      <p:bgPr>
+        <a:solidFill>
+          <a:srgbClr val="FFFFFF"/>
+        </a:solidFill>
+        <a:effectLst/>
+      </p:bgPr>
+    </p:bg>
+    <p:spTree>
+      <p:nvGrpSpPr>
+        <p:cNvPr id="1" name=""/>
+        <p:cNvGrpSpPr/>
+        <p:nvPr/>
+      </p:nvGrpSpPr>
+      <p:grpSpPr>
+        <a:xfrm>
+          <a:off x="0" y="0"/>
+          <a:ext cx="0" cy="0"/>
+          <a:chOff x="0" y="0"/>
+          <a:chExt cx="0" cy="0"/>
+        </a:xfrm>
+      </p:grpSpPr>
+      <p:sp>
+        <p:nvSpPr>
+          <p:cNvPr id="57346" name="Rectangle 2"/>
+          <p:cNvSpPr>
+            <a:spLocks noGrp="1" noRot="1" noChangeAspect="1" noChangeArrowheads="1" noTextEdit="1"/>
+          </p:cNvSpPr>
+          <p:nvPr>
+            <p:ph type="sldImg"/>
+          </p:nvPr>
+        </p:nvSpPr>
+        <p:spPr>
+          <a:xfrm>
+            <a:off x="1235340" y="684011"/>
+            <a:ext cx="4617310" cy="3498447"/>
+          </a:xfrm>
+          <a:ln/>
+        </p:spPr>
+      </p:sp>
+      <p:sp>
+        <p:nvSpPr>
+          <p:cNvPr id="57347" name="Rectangle 3"/>
+          <p:cNvSpPr txBox="1">
+            <a:spLocks noGrp="1" noChangeArrowheads="1"/>
+          </p:cNvSpPr>
+          <p:nvPr>
+            <p:ph type="body" idx="1"/>
+          </p:nvPr>
+        </p:nvSpPr>
+        <p:spPr>
+          <a:xfrm>
+            <a:off x="935634" y="4411487"/>
+            <a:ext cx="5218245" cy="4183995"/>
+          </a:xfrm>
+          <a:noFill/>
+          <a:ln/>
+        </p:spPr>
+        <p:txBody>
+          <a:bodyPr wrap="none" anchor="ctr"/>
+          <a:lstStyle/>
+          <a:p>
+            <a:endParaRPr lang="en-US" smtClean="0"/>
+          </a:p>
+        </p:txBody>
+      </p:sp>
+    </p:spTree>
+  </p:cSld>
+  <p:clrMapOvr>
+    <a:masterClrMapping/>
+  </p:clrMapOvr>
+</p:notes>
+</file>
+
+<file path=ppt/notesSlides/notesSlide7.xml><?xml version="1.0" encoding="utf-8"?>
+<p:notes xmlns:a="http://schemas.openxmlformats.org/drawingml/2006/main" xmlns:r="http://schemas.openxmlformats.org/officeDocument/2006/relationships" xmlns:p="http://schemas.openxmlformats.org/presentationml/2006/main">
+  <p:cSld>
+    <p:bg>
+      <p:bgPr>
+        <a:solidFill>
+          <a:srgbClr val="FFFFFF"/>
+        </a:solidFill>
+        <a:effectLst/>
+      </p:bgPr>
+    </p:bg>
+    <p:spTree>
+      <p:nvGrpSpPr>
+        <p:cNvPr id="1" name=""/>
+        <p:cNvGrpSpPr/>
+        <p:nvPr/>
+      </p:nvGrpSpPr>
+      <p:grpSpPr>
+        <a:xfrm>
+          <a:off x="0" y="0"/>
+          <a:ext cx="0" cy="0"/>
+          <a:chOff x="0" y="0"/>
+          <a:chExt cx="0" cy="0"/>
+        </a:xfrm>
+      </p:grpSpPr>
+      <p:sp>
+        <p:nvSpPr>
+          <p:cNvPr id="58370" name="Rectangle 2"/>
+          <p:cNvSpPr>
+            <a:spLocks noGrp="1" noRot="1" noChangeAspect="1" noChangeArrowheads="1" noTextEdit="1"/>
+          </p:cNvSpPr>
+          <p:nvPr>
+            <p:ph type="sldImg"/>
+          </p:nvPr>
+        </p:nvSpPr>
+        <p:spPr>
+          <a:xfrm>
+            <a:off x="1235340" y="684011"/>
+            <a:ext cx="4617310" cy="3498447"/>
+          </a:xfrm>
+          <a:ln/>
+        </p:spPr>
+      </p:sp>
+      <p:sp>
+        <p:nvSpPr>
+          <p:cNvPr id="58371" name="Rectangle 3"/>
+          <p:cNvSpPr txBox="1">
+            <a:spLocks noGrp="1" noChangeArrowheads="1"/>
+          </p:cNvSpPr>
+          <p:nvPr>
+            <p:ph type="body" idx="1"/>
+          </p:nvPr>
+        </p:nvSpPr>
+        <p:spPr>
+          <a:xfrm>
+            <a:off x="935634" y="4411487"/>
+            <a:ext cx="5218245" cy="4183995"/>
+          </a:xfrm>
+          <a:noFill/>
+          <a:ln/>
+        </p:spPr>
+        <p:txBody>
+          <a:bodyPr wrap="none" anchor="ctr"/>
+          <a:lstStyle/>
+          <a:p>
+            <a:endParaRPr lang="en-US" smtClean="0"/>
+          </a:p>
+        </p:txBody>
+      </p:sp>
+    </p:spTree>
+  </p:cSld>
+  <p:clrMapOvr>
+    <a:masterClrMapping/>
+  </p:clrMapOvr>
+</p:notes>
+</file>
+
+<file path=ppt/notesSlides/notesSlide8.xml><?xml version="1.0" encoding="utf-8"?>
+<p:notes xmlns:a="http://schemas.openxmlformats.org/drawingml/2006/main" xmlns:r="http://schemas.openxmlformats.org/officeDocument/2006/relationships" xmlns:p="http://schemas.openxmlformats.org/presentationml/2006/main">
+  <p:cSld>
+    <p:bg>
+      <p:bgPr>
+        <a:solidFill>
+          <a:srgbClr val="FFFFFF"/>
+        </a:solidFill>
+        <a:effectLst/>
+      </p:bgPr>
+    </p:bg>
+    <p:spTree>
+      <p:nvGrpSpPr>
+        <p:cNvPr id="1" name=""/>
+        <p:cNvGrpSpPr/>
+        <p:nvPr/>
+      </p:nvGrpSpPr>
+      <p:grpSpPr>
+        <a:xfrm>
+          <a:off x="0" y="0"/>
+          <a:ext cx="0" cy="0"/>
+          <a:chOff x="0" y="0"/>
+          <a:chExt cx="0" cy="0"/>
+        </a:xfrm>
+      </p:grpSpPr>
+      <p:sp>
+        <p:nvSpPr>
+          <p:cNvPr id="59394" name="Rectangle 2"/>
+          <p:cNvSpPr>
+            <a:spLocks noGrp="1" noRot="1" noChangeAspect="1" noChangeArrowheads="1" noTextEdit="1"/>
+          </p:cNvSpPr>
+          <p:nvPr>
+            <p:ph type="sldImg"/>
+          </p:nvPr>
+        </p:nvSpPr>
+        <p:spPr>
+          <a:xfrm>
+            <a:off x="1235340" y="684011"/>
+            <a:ext cx="4617310" cy="3498447"/>
+          </a:xfrm>
+          <a:ln/>
+        </p:spPr>
+      </p:sp>
+      <p:sp>
+        <p:nvSpPr>
+          <p:cNvPr id="59395" name="Rectangle 3"/>
+          <p:cNvSpPr txBox="1">
+            <a:spLocks noGrp="1" noChangeArrowheads="1"/>
+          </p:cNvSpPr>
+          <p:nvPr>
+            <p:ph type="body" idx="1"/>
+          </p:nvPr>
+        </p:nvSpPr>
+        <p:spPr>
+          <a:xfrm>
+            <a:off x="935634" y="4411487"/>
+            <a:ext cx="5218245" cy="4183995"/>
+          </a:xfrm>
+          <a:noFill/>
+          <a:ln/>
+        </p:spPr>
+        <p:txBody>
+          <a:bodyPr wrap="none" anchor="ctr"/>
+          <a:lstStyle/>
+          <a:p>
+            <a:endParaRPr lang="en-US" smtClean="0"/>
+          </a:p>
+        </p:txBody>
+      </p:sp>
+    </p:spTree>
+  </p:cSld>
+  <p:clrMapOvr>
+    <a:masterClrMapping/>
+  </p:clrMapOvr>
+</p:notes>
+</file>
+
+<file path=ppt/notesSlides/notesSlide9.xml><?xml version="1.0" encoding="utf-8"?>
+<p:notes xmlns:a="http://schemas.openxmlformats.org/drawingml/2006/main" xmlns:r="http://schemas.openxmlformats.org/officeDocument/2006/relationships" xmlns:p="http://schemas.openxmlformats.org/presentationml/2006/main">
+  <p:cSld>
+    <p:spTree>
+      <p:nvGrpSpPr>
+        <p:cNvPr id="1" name=""/>
+        <p:cNvGrpSpPr/>
+        <p:nvPr/>
+      </p:nvGrpSpPr>
+      <p:grpSpPr>
+        <a:xfrm>
+          <a:off x="0" y="0"/>
+          <a:ext cx="0" cy="0"/>
+          <a:chOff x="0" y="0"/>
+          <a:chExt cx="0" cy="0"/>
+        </a:xfrm>
+      </p:grpSpPr>
+      <p:sp>
+        <p:nvSpPr>
           <p:cNvPr id="268289" name="Rectangle 9"/>
           <p:cNvSpPr>
             <a:spLocks noGrp="1" noChangeArrowheads="1"/>
@@ -1386,7 +1722,7 @@
               <a:pPr>
                 <a:defRPr/>
               </a:pPr>
-              <a:t>36</a:t>
+              <a:t>42</a:t>
             </a:fld>
             <a:endParaRPr lang="en-GB" altLang="zh-CN" smtClean="0"/>
           </a:p>
@@ -1440,11 +1776,6 @@
         </p:txBody>
       </p:sp>
     </p:spTree>
-    <p:extLst>
-      <p:ext uri="{BB962C8B-B14F-4D97-AF65-F5344CB8AC3E}">
-        <p14:creationId xmlns:p14="http://schemas.microsoft.com/office/powerpoint/2010/main" val="1099322205"/>
-      </p:ext>
-    </p:extLst>
   </p:cSld>
   <p:clrMapOvr>
     <a:masterClrMapping/>
@@ -5953,7 +6284,7 @@
       </p:grpSpPr>
       <p:sp>
         <p:nvSpPr>
-          <p:cNvPr id="18434" name="Rectangle 2"/>
+          <p:cNvPr id="16386" name="Rectangle 2"/>
           <p:cNvSpPr>
             <a:spLocks noGrp="1" noChangeArrowheads="1"/>
           </p:cNvSpPr>
@@ -5969,14 +6300,14 @@
             <a:pPr eaLnBrk="1" hangingPunct="1"/>
             <a:r>
               <a:rPr lang="en-US" smtClean="0"/>
-              <a:t>Example</a:t>
-            </a:r>
-          </a:p>
-        </p:txBody>
-      </p:sp>
-      <p:sp>
-        <p:nvSpPr>
-          <p:cNvPr id="18435" name="Rectangle 3"/>
+              <a:t>LOCAL.TABLE</a:t>
+            </a:r>
+          </a:p>
+        </p:txBody>
+      </p:sp>
+      <p:sp>
+        <p:nvSpPr>
+          <p:cNvPr id="16387" name="Rectangle 3"/>
           <p:cNvSpPr>
             <a:spLocks noGrp="1" noChangeArrowheads="1"/>
           </p:cNvSpPr>
@@ -5995,13 +6326,44 @@
           <a:lstStyle/>
           <a:p>
             <a:pPr eaLnBrk="1" hangingPunct="1"/>
-            <a:r>
-              <a:rPr lang="en-US" smtClean="0"/>
-              <a:t>Create a local reference field ‘Customer Gender’</a:t>
-            </a:r>
-          </a:p>
-        </p:txBody>
-      </p:sp>
+            <a:endParaRPr lang="en-US" smtClean="0"/>
+          </a:p>
+        </p:txBody>
+      </p:sp>
+      <p:pic>
+        <p:nvPicPr>
+          <p:cNvPr id="16388" name="Picture 5"/>
+          <p:cNvPicPr>
+            <a:picLocks noChangeAspect="1" noChangeArrowheads="1"/>
+          </p:cNvPicPr>
+          <p:nvPr/>
+        </p:nvPicPr>
+        <p:blipFill>
+          <a:blip r:embed="rId3" cstate="print"/>
+          <a:srcRect/>
+          <a:stretch>
+            <a:fillRect/>
+          </a:stretch>
+        </p:blipFill>
+        <p:spPr bwMode="auto">
+          <a:xfrm>
+            <a:off x="2152650" y="1460500"/>
+            <a:ext cx="4565650" cy="4837113"/>
+          </a:xfrm>
+          <a:prstGeom prst="rect">
+            <a:avLst/>
+          </a:prstGeom>
+          <a:noFill/>
+          <a:ln w="19050">
+            <a:solidFill>
+              <a:srgbClr val="0000FF"/>
+            </a:solidFill>
+            <a:miter lim="800000"/>
+            <a:headEnd/>
+            <a:tailEnd/>
+          </a:ln>
+        </p:spPr>
+      </p:pic>
     </p:spTree>
   </p:cSld>
   <p:clrMapOvr>
@@ -6039,7 +6401,7 @@
       </p:grpSpPr>
       <p:sp>
         <p:nvSpPr>
-          <p:cNvPr id="19458" name="Rectangle 2"/>
+          <p:cNvPr id="17410" name="Rectangle 2"/>
           <p:cNvSpPr>
             <a:spLocks noGrp="1" noChangeArrowheads="1"/>
           </p:cNvSpPr>
@@ -6055,14 +6417,14 @@
             <a:pPr eaLnBrk="1" hangingPunct="1"/>
             <a:r>
               <a:rPr lang="en-US" smtClean="0"/>
-              <a:t>Solution</a:t>
-            </a:r>
-          </a:p>
-        </p:txBody>
-      </p:sp>
-      <p:sp>
-        <p:nvSpPr>
-          <p:cNvPr id="19459" name="Rectangle 3"/>
+              <a:t>Local Reference Creation</a:t>
+            </a:r>
+          </a:p>
+        </p:txBody>
+      </p:sp>
+      <p:sp>
+        <p:nvSpPr>
+          <p:cNvPr id="17411" name="Rectangle 3"/>
           <p:cNvSpPr>
             <a:spLocks noGrp="1" noChangeArrowheads="1"/>
           </p:cNvSpPr>
@@ -6083,45 +6445,25 @@
             <a:pPr eaLnBrk="1" hangingPunct="1"/>
             <a:r>
               <a:rPr lang="en-US" smtClean="0"/>
-              <a:t>Create the field Customer Gender using LOCAL.TABLE application</a:t>
-            </a:r>
-          </a:p>
-        </p:txBody>
-      </p:sp>
-      <p:pic>
-        <p:nvPicPr>
-          <p:cNvPr id="19460" name="Picture 5"/>
-          <p:cNvPicPr>
-            <a:picLocks noChangeAspect="1" noChangeArrowheads="1"/>
-          </p:cNvPicPr>
-          <p:nvPr/>
-        </p:nvPicPr>
-        <p:blipFill>
-          <a:blip r:embed="rId2" cstate="print"/>
-          <a:srcRect/>
-          <a:stretch>
-            <a:fillRect/>
-          </a:stretch>
-        </p:blipFill>
-        <p:spPr bwMode="auto">
-          <a:xfrm>
-            <a:off x="2598738" y="2378075"/>
-            <a:ext cx="4856162" cy="3997325"/>
-          </a:xfrm>
-          <a:prstGeom prst="rect">
-            <a:avLst/>
-          </a:prstGeom>
-          <a:noFill/>
-          <a:ln w="19050">
-            <a:solidFill>
-              <a:srgbClr val="0000FF"/>
-            </a:solidFill>
-            <a:miter lim="800000"/>
-            <a:headEnd/>
-            <a:tailEnd/>
-          </a:ln>
-        </p:spPr>
-      </p:pic>
+              <a:t>Enter LOCAL.TABLE, I followed by numeric value in command line</a:t>
+            </a:r>
+          </a:p>
+          <a:p>
+            <a:pPr eaLnBrk="1" hangingPunct="1"/>
+            <a:r>
+              <a:rPr lang="en-US" smtClean="0"/>
+              <a:t>Input details in the mandatory as well as other required fields</a:t>
+            </a:r>
+          </a:p>
+          <a:p>
+            <a:pPr eaLnBrk="1" hangingPunct="1"/>
+            <a:r>
+              <a:rPr lang="en-US" smtClean="0"/>
+              <a:t>Commit the record</a:t>
+            </a:r>
+          </a:p>
+        </p:txBody>
+      </p:sp>
     </p:spTree>
   </p:cSld>
   <p:clrMapOvr>
@@ -6159,7 +6501,7 @@
       </p:grpSpPr>
       <p:sp>
         <p:nvSpPr>
-          <p:cNvPr id="21506" name="Rectangle 2"/>
+          <p:cNvPr id="18434" name="Rectangle 2"/>
           <p:cNvSpPr>
             <a:spLocks noGrp="1" noChangeArrowheads="1"/>
           </p:cNvSpPr>
@@ -6175,14 +6517,14 @@
             <a:pPr eaLnBrk="1" hangingPunct="1"/>
             <a:r>
               <a:rPr lang="en-US" smtClean="0"/>
-              <a:t>Important Fields</a:t>
-            </a:r>
-          </a:p>
-        </p:txBody>
-      </p:sp>
-      <p:sp>
-        <p:nvSpPr>
-          <p:cNvPr id="21507" name="Rectangle 3"/>
+              <a:t>Example</a:t>
+            </a:r>
+          </a:p>
+        </p:txBody>
+      </p:sp>
+      <p:sp>
+        <p:nvSpPr>
+          <p:cNvPr id="18435" name="Rectangle 3"/>
           <p:cNvSpPr>
             <a:spLocks noGrp="1" noChangeArrowheads="1"/>
           </p:cNvSpPr>
@@ -6203,49 +6545,7 @@
             <a:pPr eaLnBrk="1" hangingPunct="1"/>
             <a:r>
               <a:rPr lang="en-US" smtClean="0"/>
-              <a:t>ID – T24 application that the local reference field is going to be attached to</a:t>
-            </a:r>
-          </a:p>
-          <a:p>
-            <a:pPr eaLnBrk="1" hangingPunct="1"/>
-            <a:r>
-              <a:rPr lang="en-US" smtClean="0"/>
-              <a:t>Local Table No. – ID of the LOCAL.TABLE</a:t>
-            </a:r>
-          </a:p>
-          <a:p>
-            <a:pPr eaLnBrk="1" hangingPunct="1"/>
-            <a:r>
-              <a:rPr lang="en-US" smtClean="0"/>
-              <a:t>Sub Assoc Code – Must be used if the local reference field is a multi value or an associated multi value</a:t>
-            </a:r>
-          </a:p>
-          <a:p>
-            <a:pPr lvl="1" eaLnBrk="1" hangingPunct="1"/>
-            <a:r>
-              <a:rPr lang="en-US" smtClean="0"/>
-              <a:t>XX. Multi Value</a:t>
-            </a:r>
-          </a:p>
-          <a:p>
-            <a:pPr lvl="1" eaLnBrk="1" hangingPunct="1"/>
-            <a:r>
-              <a:rPr lang="en-US" smtClean="0"/>
-              <a:t>XX&lt; Start of an associated multi value set</a:t>
-            </a:r>
-          </a:p>
-          <a:p>
-            <a:pPr lvl="1" eaLnBrk="1" hangingPunct="1"/>
-            <a:r>
-              <a:rPr lang="en-US" smtClean="0"/>
-              <a:t>XX- Part of an associated multi value set</a:t>
-            </a:r>
-          </a:p>
-          <a:p>
-            <a:pPr lvl="1" eaLnBrk="1" hangingPunct="1"/>
-            <a:r>
-              <a:rPr lang="en-US" smtClean="0"/>
-              <a:t>XX&gt; End of the associated multi value set</a:t>
+              <a:t>Create a local reference field ‘Customer Gender’</a:t>
             </a:r>
           </a:p>
         </p:txBody>
@@ -6287,7 +6587,7 @@
       </p:grpSpPr>
       <p:sp>
         <p:nvSpPr>
-          <p:cNvPr id="22530" name="Rectangle 2"/>
+          <p:cNvPr id="19458" name="Rectangle 2"/>
           <p:cNvSpPr>
             <a:spLocks noGrp="1" noChangeArrowheads="1"/>
           </p:cNvSpPr>
@@ -6303,14 +6603,14 @@
             <a:pPr eaLnBrk="1" hangingPunct="1"/>
             <a:r>
               <a:rPr lang="en-US" smtClean="0"/>
-              <a:t>LOCAL.REF.TABLE</a:t>
-            </a:r>
-          </a:p>
-        </p:txBody>
-      </p:sp>
-      <p:sp>
-        <p:nvSpPr>
-          <p:cNvPr id="22531" name="Rectangle 3"/>
+              <a:t>Solution</a:t>
+            </a:r>
+          </a:p>
+        </p:txBody>
+      </p:sp>
+      <p:sp>
+        <p:nvSpPr>
+          <p:cNvPr id="19459" name="Rectangle 3"/>
           <p:cNvSpPr>
             <a:spLocks noGrp="1" noChangeArrowheads="1"/>
           </p:cNvSpPr>
@@ -6329,13 +6629,16 @@
           <a:lstStyle/>
           <a:p>
             <a:pPr eaLnBrk="1" hangingPunct="1"/>
-            <a:endParaRPr lang="en-US" smtClean="0"/>
+            <a:r>
+              <a:rPr lang="en-US" smtClean="0"/>
+              <a:t>Create the field Customer Gender using LOCAL.TABLE application</a:t>
+            </a:r>
           </a:p>
         </p:txBody>
       </p:sp>
       <p:pic>
         <p:nvPicPr>
-          <p:cNvPr id="22532" name="Picture 5"/>
+          <p:cNvPr id="19460" name="Picture 5"/>
           <p:cNvPicPr>
             <a:picLocks noChangeAspect="1" noChangeArrowheads="1"/>
           </p:cNvPicPr>
@@ -6350,8 +6653,8 @@
         </p:blipFill>
         <p:spPr bwMode="auto">
           <a:xfrm>
-            <a:off x="2062163" y="1771650"/>
-            <a:ext cx="5019675" cy="3314700"/>
+            <a:off x="2598738" y="2378075"/>
+            <a:ext cx="4856162" cy="3997325"/>
           </a:xfrm>
           <a:prstGeom prst="rect">
             <a:avLst/>
@@ -6361,38 +6664,6 @@
             <a:solidFill>
               <a:srgbClr val="0000FF"/>
             </a:solidFill>
-            <a:miter lim="800000"/>
-            <a:headEnd/>
-            <a:tailEnd/>
-          </a:ln>
-        </p:spPr>
-      </p:pic>
-      <p:pic>
-        <p:nvPicPr>
-          <p:cNvPr id="22533" name="Picture 5"/>
-          <p:cNvPicPr>
-            <a:picLocks noChangeAspect="1" noChangeArrowheads="1"/>
-          </p:cNvPicPr>
-          <p:nvPr/>
-        </p:nvPicPr>
-        <p:blipFill>
-          <a:blip r:embed="rId3" cstate="print"/>
-          <a:srcRect/>
-          <a:stretch>
-            <a:fillRect/>
-          </a:stretch>
-        </p:blipFill>
-        <p:spPr bwMode="auto">
-          <a:xfrm>
-            <a:off x="4622800" y="2351088"/>
-            <a:ext cx="1295400" cy="200025"/>
-          </a:xfrm>
-          <a:prstGeom prst="rect">
-            <a:avLst/>
-          </a:prstGeom>
-          <a:noFill/>
-          <a:ln w="9525">
-            <a:noFill/>
             <a:miter lim="800000"/>
             <a:headEnd/>
             <a:tailEnd/>
@@ -6436,65 +6707,50 @@
       </p:grpSpPr>
       <p:sp>
         <p:nvSpPr>
-          <p:cNvPr id="23554" name="Rectangle 2"/>
+          <p:cNvPr id="20482" name="Rectangle 2"/>
           <p:cNvSpPr>
             <a:spLocks noGrp="1" noChangeArrowheads="1"/>
           </p:cNvSpPr>
           <p:nvPr>
-            <p:ph type="title"/>
-          </p:nvPr>
-        </p:nvSpPr>
-        <p:spPr/>
+            <p:ph type="title" idx="4294967295"/>
+          </p:nvPr>
+        </p:nvSpPr>
+        <p:spPr>
+          <a:xfrm>
+            <a:off x="381000" y="2590800"/>
+            <a:ext cx="8229600" cy="1517650"/>
+          </a:xfrm>
+        </p:spPr>
         <p:txBody>
           <a:bodyPr/>
           <a:lstStyle/>
           <a:p>
-            <a:pPr eaLnBrk="1" hangingPunct="1"/>
-            <a:r>
-              <a:rPr lang="en-US" smtClean="0"/>
-              <a:t>Local Reference Field Creation</a:t>
-            </a:r>
-          </a:p>
-        </p:txBody>
-      </p:sp>
-      <p:sp>
-        <p:nvSpPr>
-          <p:cNvPr id="23555" name="Rectangle 3"/>
-          <p:cNvSpPr>
-            <a:spLocks noGrp="1" noChangeArrowheads="1"/>
-          </p:cNvSpPr>
-          <p:nvPr>
-            <p:ph type="body" idx="1"/>
-          </p:nvPr>
-        </p:nvSpPr>
-        <p:spPr>
-          <a:xfrm>
-            <a:off x="992188" y="1592263"/>
-            <a:ext cx="7874000" cy="4337050"/>
-          </a:xfrm>
-        </p:spPr>
-        <p:txBody>
-          <a:bodyPr/>
-          <a:lstStyle/>
-          <a:p>
-            <a:pPr eaLnBrk="1" hangingPunct="1"/>
-            <a:r>
-              <a:rPr lang="en-US" smtClean="0"/>
-              <a:t>Enter LOCAL.REF.TABLE I followed by application name in command line</a:t>
-            </a:r>
-          </a:p>
-          <a:p>
-            <a:pPr eaLnBrk="1" hangingPunct="1"/>
-            <a:r>
-              <a:rPr lang="en-US" smtClean="0"/>
-              <a:t>Input ID of LOCAL.TABLE</a:t>
-            </a:r>
-          </a:p>
-          <a:p>
-            <a:pPr eaLnBrk="1" hangingPunct="1"/>
-            <a:r>
-              <a:rPr lang="en-US" smtClean="0"/>
-              <a:t>Commit and authorize the record</a:t>
+            <a:pPr eaLnBrk="1" hangingPunct="1">
+              <a:lnSpc>
+                <a:spcPct val="93000"/>
+              </a:lnSpc>
+              <a:tabLst>
+                <a:tab pos="0" algn="l"/>
+                <a:tab pos="914400" algn="l"/>
+                <a:tab pos="1828800" algn="l"/>
+                <a:tab pos="2743200" algn="l"/>
+                <a:tab pos="3657600" algn="l"/>
+                <a:tab pos="4572000" algn="l"/>
+                <a:tab pos="5486400" algn="l"/>
+                <a:tab pos="6400800" algn="l"/>
+                <a:tab pos="7315200" algn="l"/>
+                <a:tab pos="8229600" algn="l"/>
+                <a:tab pos="9144000" algn="l"/>
+                <a:tab pos="10058400" algn="l"/>
+              </a:tabLst>
+            </a:pPr>
+            <a:r>
+              <a:rPr lang="en-US" sz="2800" smtClean="0">
+                <a:solidFill>
+                  <a:schemeClr val="bg1"/>
+                </a:solidFill>
+              </a:rPr>
+              <a:t>LOCAL.REF.TABLE</a:t>
             </a:r>
           </a:p>
         </p:txBody>
@@ -6536,7 +6792,7 @@
       </p:grpSpPr>
       <p:sp>
         <p:nvSpPr>
-          <p:cNvPr id="24578" name="Rectangle 2"/>
+          <p:cNvPr id="21506" name="Rectangle 2"/>
           <p:cNvSpPr>
             <a:spLocks noGrp="1" noChangeArrowheads="1"/>
           </p:cNvSpPr>
@@ -6552,14 +6808,14 @@
             <a:pPr eaLnBrk="1" hangingPunct="1"/>
             <a:r>
               <a:rPr lang="en-US" smtClean="0"/>
-              <a:t>Example</a:t>
-            </a:r>
-          </a:p>
-        </p:txBody>
-      </p:sp>
-      <p:sp>
-        <p:nvSpPr>
-          <p:cNvPr id="24579" name="Rectangle 3"/>
+              <a:t>Important Fields</a:t>
+            </a:r>
+          </a:p>
+        </p:txBody>
+      </p:sp>
+      <p:sp>
+        <p:nvSpPr>
+          <p:cNvPr id="21507" name="Rectangle 3"/>
           <p:cNvSpPr>
             <a:spLocks noGrp="1" noChangeArrowheads="1"/>
           </p:cNvSpPr>
@@ -6580,7 +6836,49 @@
             <a:pPr eaLnBrk="1" hangingPunct="1"/>
             <a:r>
               <a:rPr lang="en-US" smtClean="0"/>
-              <a:t>Create local reference field ‘Customer Gender’ to Customer application</a:t>
+              <a:t>ID – T24 application that the local reference field is going to be attached to</a:t>
+            </a:r>
+          </a:p>
+          <a:p>
+            <a:pPr eaLnBrk="1" hangingPunct="1"/>
+            <a:r>
+              <a:rPr lang="en-US" smtClean="0"/>
+              <a:t>Local Table No. – ID of the LOCAL.TABLE</a:t>
+            </a:r>
+          </a:p>
+          <a:p>
+            <a:pPr eaLnBrk="1" hangingPunct="1"/>
+            <a:r>
+              <a:rPr lang="en-US" smtClean="0"/>
+              <a:t>Sub Assoc Code – Must be used if the local reference field is a multi value or an associated multi value</a:t>
+            </a:r>
+          </a:p>
+          <a:p>
+            <a:pPr lvl="1" eaLnBrk="1" hangingPunct="1"/>
+            <a:r>
+              <a:rPr lang="en-US" smtClean="0"/>
+              <a:t>XX. Multi Value</a:t>
+            </a:r>
+          </a:p>
+          <a:p>
+            <a:pPr lvl="1" eaLnBrk="1" hangingPunct="1"/>
+            <a:r>
+              <a:rPr lang="en-US" smtClean="0"/>
+              <a:t>XX&lt; Start of an associated multi value set</a:t>
+            </a:r>
+          </a:p>
+          <a:p>
+            <a:pPr lvl="1" eaLnBrk="1" hangingPunct="1"/>
+            <a:r>
+              <a:rPr lang="en-US" smtClean="0"/>
+              <a:t>XX- Part of an associated multi value set</a:t>
+            </a:r>
+          </a:p>
+          <a:p>
+            <a:pPr lvl="1" eaLnBrk="1" hangingPunct="1"/>
+            <a:r>
+              <a:rPr lang="en-US" smtClean="0"/>
+              <a:t>XX&gt; End of the associated multi value set</a:t>
             </a:r>
           </a:p>
         </p:txBody>
@@ -6622,7 +6920,7 @@
       </p:grpSpPr>
       <p:sp>
         <p:nvSpPr>
-          <p:cNvPr id="25602" name="Rectangle 2"/>
+          <p:cNvPr id="22530" name="Rectangle 2"/>
           <p:cNvSpPr>
             <a:spLocks noGrp="1" noChangeArrowheads="1"/>
           </p:cNvSpPr>
@@ -6638,14 +6936,14 @@
             <a:pPr eaLnBrk="1" hangingPunct="1"/>
             <a:r>
               <a:rPr lang="en-US" smtClean="0"/>
-              <a:t>Solution</a:t>
-            </a:r>
-          </a:p>
-        </p:txBody>
-      </p:sp>
-      <p:sp>
-        <p:nvSpPr>
-          <p:cNvPr id="25603" name="Rectangle 3"/>
+              <a:t>LOCAL.REF.TABLE</a:t>
+            </a:r>
+          </a:p>
+        </p:txBody>
+      </p:sp>
+      <p:sp>
+        <p:nvSpPr>
+          <p:cNvPr id="22531" name="Rectangle 3"/>
           <p:cNvSpPr>
             <a:spLocks noGrp="1" noChangeArrowheads="1"/>
           </p:cNvSpPr>
@@ -6664,16 +6962,13 @@
           <a:lstStyle/>
           <a:p>
             <a:pPr eaLnBrk="1" hangingPunct="1"/>
-            <a:r>
-              <a:rPr lang="en-US" smtClean="0"/>
-              <a:t>Attach the created local reference field to Customer application</a:t>
-            </a:r>
+            <a:endParaRPr lang="en-US" smtClean="0"/>
           </a:p>
         </p:txBody>
       </p:sp>
       <p:pic>
         <p:nvPicPr>
-          <p:cNvPr id="25604" name="Picture 5"/>
+          <p:cNvPr id="22532" name="Picture 5"/>
           <p:cNvPicPr>
             <a:picLocks noChangeAspect="1" noChangeArrowheads="1"/>
           </p:cNvPicPr>
@@ -6688,8 +6983,8 @@
         </p:blipFill>
         <p:spPr bwMode="auto">
           <a:xfrm>
-            <a:off x="2006600" y="2560638"/>
-            <a:ext cx="5181600" cy="2066925"/>
+            <a:off x="2062163" y="1771650"/>
+            <a:ext cx="5019675" cy="3314700"/>
           </a:xfrm>
           <a:prstGeom prst="rect">
             <a:avLst/>
@@ -6707,7 +7002,7 @@
       </p:pic>
       <p:pic>
         <p:nvPicPr>
-          <p:cNvPr id="25605" name="Picture 5"/>
+          <p:cNvPr id="22533" name="Picture 5"/>
           <p:cNvPicPr>
             <a:picLocks noChangeAspect="1" noChangeArrowheads="1"/>
           </p:cNvPicPr>
@@ -6722,7 +7017,7 @@
         </p:blipFill>
         <p:spPr bwMode="auto">
           <a:xfrm>
-            <a:off x="4838700" y="3138488"/>
+            <a:off x="4622800" y="2351088"/>
             <a:ext cx="1295400" cy="200025"/>
           </a:xfrm>
           <a:prstGeom prst="rect">
@@ -6774,7 +7069,7 @@
       </p:grpSpPr>
       <p:sp>
         <p:nvSpPr>
-          <p:cNvPr id="26626" name="Rectangle 2"/>
+          <p:cNvPr id="23554" name="Rectangle 2"/>
           <p:cNvSpPr>
             <a:spLocks noGrp="1" noChangeArrowheads="1"/>
           </p:cNvSpPr>
@@ -6790,14 +7085,14 @@
             <a:pPr eaLnBrk="1" hangingPunct="1"/>
             <a:r>
               <a:rPr lang="en-US" smtClean="0"/>
-              <a:t>Solution</a:t>
-            </a:r>
-          </a:p>
-        </p:txBody>
-      </p:sp>
-      <p:sp>
-        <p:nvSpPr>
-          <p:cNvPr id="26627" name="Rectangle 3"/>
+              <a:t>Local Reference Field Creation</a:t>
+            </a:r>
+          </a:p>
+        </p:txBody>
+      </p:sp>
+      <p:sp>
+        <p:nvSpPr>
+          <p:cNvPr id="23555" name="Rectangle 3"/>
           <p:cNvSpPr>
             <a:spLocks noGrp="1" noChangeArrowheads="1"/>
           </p:cNvSpPr>
@@ -6818,77 +7113,25 @@
             <a:pPr eaLnBrk="1" hangingPunct="1"/>
             <a:r>
               <a:rPr lang="en-US" smtClean="0"/>
-              <a:t>The local reference appears in application as shown</a:t>
-            </a:r>
-          </a:p>
-        </p:txBody>
-      </p:sp>
-      <p:pic>
-        <p:nvPicPr>
-          <p:cNvPr id="26628" name="Picture 5"/>
-          <p:cNvPicPr>
-            <a:picLocks noChangeAspect="1" noChangeArrowheads="1"/>
-          </p:cNvPicPr>
-          <p:nvPr/>
-        </p:nvPicPr>
-        <p:blipFill>
-          <a:blip r:embed="rId2" cstate="print"/>
-          <a:srcRect b="17574"/>
-          <a:stretch>
-            <a:fillRect/>
-          </a:stretch>
-        </p:blipFill>
-        <p:spPr bwMode="auto">
-          <a:xfrm>
-            <a:off x="2138363" y="2001838"/>
-            <a:ext cx="5214937" cy="4368800"/>
-          </a:xfrm>
-          <a:prstGeom prst="rect">
-            <a:avLst/>
-          </a:prstGeom>
-          <a:noFill/>
-          <a:ln w="19050">
-            <a:solidFill>
-              <a:srgbClr val="0000FF"/>
-            </a:solidFill>
-            <a:miter lim="800000"/>
-            <a:headEnd/>
-            <a:tailEnd/>
-          </a:ln>
-        </p:spPr>
-      </p:pic>
-      <p:pic>
-        <p:nvPicPr>
-          <p:cNvPr id="26629" name="Picture 5"/>
-          <p:cNvPicPr>
-            <a:picLocks noChangeAspect="1" noChangeArrowheads="1"/>
-          </p:cNvPicPr>
-          <p:nvPr/>
-        </p:nvPicPr>
-        <p:blipFill>
-          <a:blip r:embed="rId3" cstate="print"/>
-          <a:srcRect/>
-          <a:stretch>
-            <a:fillRect/>
-          </a:stretch>
-        </p:blipFill>
-        <p:spPr bwMode="auto">
-          <a:xfrm>
-            <a:off x="3441700" y="2490788"/>
-            <a:ext cx="1295400" cy="200025"/>
-          </a:xfrm>
-          <a:prstGeom prst="rect">
-            <a:avLst/>
-          </a:prstGeom>
-          <a:noFill/>
-          <a:ln w="9525">
-            <a:noFill/>
-            <a:miter lim="800000"/>
-            <a:headEnd/>
-            <a:tailEnd/>
-          </a:ln>
-        </p:spPr>
-      </p:pic>
+              <a:t>Enter LOCAL.REF.TABLE I followed by application name in command line</a:t>
+            </a:r>
+          </a:p>
+          <a:p>
+            <a:pPr eaLnBrk="1" hangingPunct="1"/>
+            <a:r>
+              <a:rPr lang="en-US" smtClean="0"/>
+              <a:t>Input ID of LOCAL.TABLE</a:t>
+            </a:r>
+          </a:p>
+          <a:p>
+            <a:pPr eaLnBrk="1" hangingPunct="1"/>
+            <a:r>
+              <a:rPr lang="en-US" smtClean="0"/>
+              <a:t>Commit and authorize the record</a:t>
+            </a:r>
+          </a:p>
+        </p:txBody>
+      </p:sp>
     </p:spTree>
   </p:cSld>
   <p:clrMapOvr>
@@ -6926,7 +7169,7 @@
       </p:grpSpPr>
       <p:sp>
         <p:nvSpPr>
-          <p:cNvPr id="28674" name="Rectangle 2"/>
+          <p:cNvPr id="24578" name="Rectangle 2"/>
           <p:cNvSpPr>
             <a:spLocks noGrp="1" noChangeArrowheads="1"/>
           </p:cNvSpPr>
@@ -6942,14 +7185,14 @@
             <a:pPr eaLnBrk="1" hangingPunct="1"/>
             <a:r>
               <a:rPr lang="en-US" smtClean="0"/>
-              <a:t>Workshop 1</a:t>
-            </a:r>
-          </a:p>
-        </p:txBody>
-      </p:sp>
-      <p:sp>
-        <p:nvSpPr>
-          <p:cNvPr id="28675" name="Rectangle 3"/>
+              <a:t>Example</a:t>
+            </a:r>
+          </a:p>
+        </p:txBody>
+      </p:sp>
+      <p:sp>
+        <p:nvSpPr>
+          <p:cNvPr id="24579" name="Rectangle 3"/>
           <p:cNvSpPr>
             <a:spLocks noGrp="1" noChangeArrowheads="1"/>
           </p:cNvSpPr>
@@ -6970,7 +7213,7 @@
             <a:pPr eaLnBrk="1" hangingPunct="1"/>
             <a:r>
               <a:rPr lang="en-US" smtClean="0"/>
-              <a:t>Create a local reference field ‘Secured Y N’ and attach it to Account application </a:t>
+              <a:t>Create local reference field ‘Customer Gender’ to Customer application</a:t>
             </a:r>
           </a:p>
         </p:txBody>
@@ -7012,7 +7255,7 @@
       </p:grpSpPr>
       <p:sp>
         <p:nvSpPr>
-          <p:cNvPr id="29698" name="Rectangle 2"/>
+          <p:cNvPr id="25602" name="Rectangle 2"/>
           <p:cNvSpPr>
             <a:spLocks noGrp="1" noChangeArrowheads="1"/>
           </p:cNvSpPr>
@@ -7028,14 +7271,14 @@
             <a:pPr eaLnBrk="1" hangingPunct="1"/>
             <a:r>
               <a:rPr lang="en-US" smtClean="0"/>
-              <a:t>Solution 1</a:t>
-            </a:r>
-          </a:p>
-        </p:txBody>
-      </p:sp>
-      <p:sp>
-        <p:nvSpPr>
-          <p:cNvPr id="29699" name="Rectangle 3"/>
+              <a:t>Solution</a:t>
+            </a:r>
+          </a:p>
+        </p:txBody>
+      </p:sp>
+      <p:sp>
+        <p:nvSpPr>
+          <p:cNvPr id="25603" name="Rectangle 3"/>
           <p:cNvSpPr>
             <a:spLocks noGrp="1" noChangeArrowheads="1"/>
           </p:cNvSpPr>
@@ -7056,14 +7299,14 @@
             <a:pPr eaLnBrk="1" hangingPunct="1"/>
             <a:r>
               <a:rPr lang="en-US" smtClean="0"/>
-              <a:t>Create a local field using LOCAL.TABLE application</a:t>
+              <a:t>Attach the created local reference field to Customer application</a:t>
             </a:r>
           </a:p>
         </p:txBody>
       </p:sp>
       <p:pic>
         <p:nvPicPr>
-          <p:cNvPr id="29700" name="Picture 5"/>
+          <p:cNvPr id="25604" name="Picture 5"/>
           <p:cNvPicPr>
             <a:picLocks noChangeAspect="1" noChangeArrowheads="1"/>
           </p:cNvPicPr>
@@ -7071,15 +7314,15 @@
         </p:nvPicPr>
         <p:blipFill>
           <a:blip r:embed="rId2" cstate="print"/>
-          <a:srcRect b="12988"/>
+          <a:srcRect/>
           <a:stretch>
             <a:fillRect/>
           </a:stretch>
         </p:blipFill>
         <p:spPr bwMode="auto">
           <a:xfrm>
-            <a:off x="2325688" y="2047875"/>
-            <a:ext cx="4659312" cy="4032250"/>
+            <a:off x="2006600" y="2560638"/>
+            <a:ext cx="5181600" cy="2066925"/>
           </a:xfrm>
           <a:prstGeom prst="rect">
             <a:avLst/>
@@ -7097,7 +7340,7 @@
       </p:pic>
       <p:pic>
         <p:nvPicPr>
-          <p:cNvPr id="29701" name="Picture 5"/>
+          <p:cNvPr id="25605" name="Picture 5"/>
           <p:cNvPicPr>
             <a:picLocks noChangeAspect="1" noChangeArrowheads="1"/>
           </p:cNvPicPr>
@@ -7112,7 +7355,7 @@
         </p:blipFill>
         <p:spPr bwMode="auto">
           <a:xfrm>
-            <a:off x="3606800" y="2541588"/>
+            <a:off x="4838700" y="3138488"/>
             <a:ext cx="1295400" cy="200025"/>
           </a:xfrm>
           <a:prstGeom prst="rect">
@@ -7257,7 +7500,7 @@
       </p:grpSpPr>
       <p:sp>
         <p:nvSpPr>
-          <p:cNvPr id="30722" name="Rectangle 2"/>
+          <p:cNvPr id="26626" name="Rectangle 2"/>
           <p:cNvSpPr>
             <a:spLocks noGrp="1" noChangeArrowheads="1"/>
           </p:cNvSpPr>
@@ -7273,14 +7516,14 @@
             <a:pPr eaLnBrk="1" hangingPunct="1"/>
             <a:r>
               <a:rPr lang="en-US" smtClean="0"/>
-              <a:t>Solution 1</a:t>
-            </a:r>
-          </a:p>
-        </p:txBody>
-      </p:sp>
-      <p:sp>
-        <p:nvSpPr>
-          <p:cNvPr id="30723" name="Rectangle 3"/>
+              <a:t>Solution</a:t>
+            </a:r>
+          </a:p>
+        </p:txBody>
+      </p:sp>
+      <p:sp>
+        <p:nvSpPr>
+          <p:cNvPr id="26627" name="Rectangle 3"/>
           <p:cNvSpPr>
             <a:spLocks noGrp="1" noChangeArrowheads="1"/>
           </p:cNvSpPr>
@@ -7301,14 +7544,14 @@
             <a:pPr eaLnBrk="1" hangingPunct="1"/>
             <a:r>
               <a:rPr lang="en-US" smtClean="0"/>
-              <a:t>Create an entry of the newly created local field in the Account application</a:t>
+              <a:t>The local reference appears in application as shown</a:t>
             </a:r>
           </a:p>
         </p:txBody>
       </p:sp>
       <p:pic>
         <p:nvPicPr>
-          <p:cNvPr id="30724" name="Picture 5"/>
+          <p:cNvPr id="26628" name="Picture 5"/>
           <p:cNvPicPr>
             <a:picLocks noChangeAspect="1" noChangeArrowheads="1"/>
           </p:cNvPicPr>
@@ -7316,15 +7559,15 @@
         </p:nvPicPr>
         <p:blipFill>
           <a:blip r:embed="rId2" cstate="print"/>
-          <a:srcRect/>
+          <a:srcRect b="17574"/>
           <a:stretch>
             <a:fillRect/>
           </a:stretch>
         </p:blipFill>
         <p:spPr bwMode="auto">
           <a:xfrm>
-            <a:off x="2084388" y="2592388"/>
-            <a:ext cx="5000625" cy="1876425"/>
+            <a:off x="2138363" y="2001838"/>
+            <a:ext cx="5214937" cy="4368800"/>
           </a:xfrm>
           <a:prstGeom prst="rect">
             <a:avLst/>
@@ -7342,7 +7585,7 @@
       </p:pic>
       <p:pic>
         <p:nvPicPr>
-          <p:cNvPr id="30725" name="Picture 5"/>
+          <p:cNvPr id="26629" name="Picture 5"/>
           <p:cNvPicPr>
             <a:picLocks noChangeAspect="1" noChangeArrowheads="1"/>
           </p:cNvPicPr>
@@ -7357,7 +7600,7 @@
         </p:blipFill>
         <p:spPr bwMode="auto">
           <a:xfrm>
-            <a:off x="4749800" y="3176588"/>
+            <a:off x="3441700" y="2490788"/>
             <a:ext cx="1295400" cy="200025"/>
           </a:xfrm>
           <a:prstGeom prst="rect">
@@ -7409,121 +7652,54 @@
       </p:grpSpPr>
       <p:sp>
         <p:nvSpPr>
-          <p:cNvPr id="31746" name="Rectangle 2"/>
+          <p:cNvPr id="27650" name="Rectangle 2"/>
           <p:cNvSpPr>
             <a:spLocks noGrp="1" noChangeArrowheads="1"/>
           </p:cNvSpPr>
           <p:nvPr>
-            <p:ph type="title"/>
-          </p:nvPr>
-        </p:nvSpPr>
-        <p:spPr/>
+            <p:ph type="title" idx="4294967295"/>
+          </p:nvPr>
+        </p:nvSpPr>
+        <p:spPr>
+          <a:xfrm>
+            <a:off x="381000" y="2590800"/>
+            <a:ext cx="8229600" cy="1517650"/>
+          </a:xfrm>
+        </p:spPr>
         <p:txBody>
           <a:bodyPr/>
           <a:lstStyle/>
           <a:p>
-            <a:pPr eaLnBrk="1" hangingPunct="1"/>
-            <a:r>
-              <a:rPr lang="en-US" smtClean="0"/>
-              <a:t>Solution 1</a:t>
-            </a:r>
-          </a:p>
-        </p:txBody>
-      </p:sp>
-      <p:sp>
-        <p:nvSpPr>
-          <p:cNvPr id="31747" name="Rectangle 3"/>
-          <p:cNvSpPr>
-            <a:spLocks noGrp="1" noChangeArrowheads="1"/>
-          </p:cNvSpPr>
-          <p:nvPr>
-            <p:ph type="body" idx="1"/>
-          </p:nvPr>
-        </p:nvSpPr>
-        <p:spPr>
-          <a:xfrm>
-            <a:off x="992188" y="1592263"/>
-            <a:ext cx="7874000" cy="4337050"/>
-          </a:xfrm>
-        </p:spPr>
-        <p:txBody>
-          <a:bodyPr/>
-          <a:lstStyle/>
-          <a:p>
-            <a:pPr eaLnBrk="1" hangingPunct="1"/>
-            <a:r>
-              <a:rPr lang="en-US" smtClean="0"/>
-              <a:t>The attached Local Reference field appears in Account application as shown</a:t>
-            </a:r>
-          </a:p>
-        </p:txBody>
-      </p:sp>
-      <p:pic>
-        <p:nvPicPr>
-          <p:cNvPr id="31748" name="Picture 5"/>
-          <p:cNvPicPr>
-            <a:picLocks noChangeAspect="1" noChangeArrowheads="1"/>
-          </p:cNvPicPr>
-          <p:nvPr/>
-        </p:nvPicPr>
-        <p:blipFill>
-          <a:blip r:embed="rId2" cstate="print"/>
-          <a:srcRect/>
-          <a:stretch>
-            <a:fillRect/>
-          </a:stretch>
-        </p:blipFill>
-        <p:spPr bwMode="auto">
-          <a:xfrm>
-            <a:off x="2217738" y="2371725"/>
-            <a:ext cx="4614862" cy="4054475"/>
-          </a:xfrm>
-          <a:prstGeom prst="rect">
-            <a:avLst/>
-          </a:prstGeom>
-          <a:noFill/>
-          <a:ln w="19050">
-            <a:solidFill>
-              <a:srgbClr val="0000FF"/>
-            </a:solidFill>
-            <a:miter lim="800000"/>
-            <a:headEnd/>
-            <a:tailEnd/>
-          </a:ln>
-        </p:spPr>
-      </p:pic>
-      <p:pic>
-        <p:nvPicPr>
-          <p:cNvPr id="31749" name="Picture 5"/>
-          <p:cNvPicPr>
-            <a:picLocks noChangeAspect="1" noChangeArrowheads="1"/>
-          </p:cNvPicPr>
-          <p:nvPr/>
-        </p:nvPicPr>
-        <p:blipFill>
-          <a:blip r:embed="rId3" cstate="print"/>
-          <a:srcRect/>
-          <a:stretch>
-            <a:fillRect/>
-          </a:stretch>
-        </p:blipFill>
-        <p:spPr bwMode="auto">
-          <a:xfrm>
-            <a:off x="3289300" y="2744788"/>
-            <a:ext cx="1295400" cy="200025"/>
-          </a:xfrm>
-          <a:prstGeom prst="rect">
-            <a:avLst/>
-          </a:prstGeom>
-          <a:noFill/>
-          <a:ln w="9525">
-            <a:noFill/>
-            <a:miter lim="800000"/>
-            <a:headEnd/>
-            <a:tailEnd/>
-          </a:ln>
-        </p:spPr>
-      </p:pic>
+            <a:pPr eaLnBrk="1" hangingPunct="1">
+              <a:lnSpc>
+                <a:spcPct val="93000"/>
+              </a:lnSpc>
+              <a:tabLst>
+                <a:tab pos="0" algn="l"/>
+                <a:tab pos="914400" algn="l"/>
+                <a:tab pos="1828800" algn="l"/>
+                <a:tab pos="2743200" algn="l"/>
+                <a:tab pos="3657600" algn="l"/>
+                <a:tab pos="4572000" algn="l"/>
+                <a:tab pos="5486400" algn="l"/>
+                <a:tab pos="6400800" algn="l"/>
+                <a:tab pos="7315200" algn="l"/>
+                <a:tab pos="8229600" algn="l"/>
+                <a:tab pos="9144000" algn="l"/>
+                <a:tab pos="10058400" algn="l"/>
+              </a:tabLst>
+            </a:pPr>
+            <a:r>
+              <a:rPr lang="en-US" sz="2800" smtClean="0">
+                <a:solidFill>
+                  <a:schemeClr val="bg1"/>
+                </a:solidFill>
+              </a:rPr>
+              <a:t>Workshop</a:t>
+            </a:r>
+          </a:p>
+        </p:txBody>
+      </p:sp>
     </p:spTree>
   </p:cSld>
   <p:clrMapOvr>
@@ -7561,9 +7737,9 @@
       </p:grpSpPr>
       <p:sp>
         <p:nvSpPr>
-          <p:cNvPr id="32770" name="Title 1"/>
-          <p:cNvSpPr>
-            <a:spLocks noGrp="1"/>
+          <p:cNvPr id="28674" name="Rectangle 2"/>
+          <p:cNvSpPr>
+            <a:spLocks noGrp="1" noChangeArrowheads="1"/>
           </p:cNvSpPr>
           <p:nvPr>
             <p:ph type="title"/>
@@ -7574,36 +7750,38 @@
           <a:bodyPr/>
           <a:lstStyle/>
           <a:p>
-            <a:r>
-              <a:rPr lang="en-US" smtClean="0"/>
-              <a:t>Workshop 2</a:t>
-            </a:r>
-          </a:p>
-        </p:txBody>
-      </p:sp>
-      <p:sp>
-        <p:nvSpPr>
-          <p:cNvPr id="32771" name="Content Placeholder 2"/>
-          <p:cNvSpPr>
-            <a:spLocks noGrp="1"/>
-          </p:cNvSpPr>
-          <p:nvPr>
-            <p:ph idx="1"/>
+            <a:pPr eaLnBrk="1" hangingPunct="1"/>
+            <a:r>
+              <a:rPr lang="en-US" smtClean="0"/>
+              <a:t>Workshop 1</a:t>
+            </a:r>
+          </a:p>
+        </p:txBody>
+      </p:sp>
+      <p:sp>
+        <p:nvSpPr>
+          <p:cNvPr id="28675" name="Rectangle 3"/>
+          <p:cNvSpPr>
+            <a:spLocks noGrp="1" noChangeArrowheads="1"/>
+          </p:cNvSpPr>
+          <p:nvPr>
+            <p:ph type="body" idx="1"/>
           </p:nvPr>
         </p:nvSpPr>
         <p:spPr>
           <a:xfrm>
             <a:off x="992188" y="1592263"/>
-            <a:ext cx="7874000" cy="4638675"/>
+            <a:ext cx="7874000" cy="4337050"/>
           </a:xfrm>
         </p:spPr>
         <p:txBody>
           <a:bodyPr/>
           <a:lstStyle/>
           <a:p>
-            <a:r>
-              <a:rPr lang="en-US" smtClean="0"/>
-              <a:t>Create local reference fields ‘ID Proof’ and ‘Proof’ for Account application, setting Proof as multi-value field</a:t>
+            <a:pPr eaLnBrk="1" hangingPunct="1"/>
+            <a:r>
+              <a:rPr lang="en-US" smtClean="0"/>
+              <a:t>Create a local reference field ‘Secured Y N’ and attach it to Account application </a:t>
             </a:r>
           </a:p>
         </p:txBody>
@@ -7645,9 +7823,9 @@
       </p:grpSpPr>
       <p:sp>
         <p:nvSpPr>
-          <p:cNvPr id="33794" name="Title 1"/>
-          <p:cNvSpPr>
-            <a:spLocks noGrp="1"/>
+          <p:cNvPr id="29698" name="Rectangle 2"/>
+          <p:cNvSpPr>
+            <a:spLocks noGrp="1" noChangeArrowheads="1"/>
           </p:cNvSpPr>
           <p:nvPr>
             <p:ph type="title"/>
@@ -7658,46 +7836,45 @@
           <a:bodyPr/>
           <a:lstStyle/>
           <a:p>
-            <a:r>
-              <a:rPr lang="en-US" smtClean="0"/>
-              <a:t>Solution 2</a:t>
-            </a:r>
-          </a:p>
-        </p:txBody>
-      </p:sp>
-      <p:sp>
-        <p:nvSpPr>
-          <p:cNvPr id="33795" name="Content Placeholder 2"/>
-          <p:cNvSpPr>
-            <a:spLocks noGrp="1"/>
-          </p:cNvSpPr>
-          <p:nvPr>
-            <p:ph idx="1"/>
+            <a:pPr eaLnBrk="1" hangingPunct="1"/>
+            <a:r>
+              <a:rPr lang="en-US" smtClean="0"/>
+              <a:t>Solution 1</a:t>
+            </a:r>
+          </a:p>
+        </p:txBody>
+      </p:sp>
+      <p:sp>
+        <p:nvSpPr>
+          <p:cNvPr id="29699" name="Rectangle 3"/>
+          <p:cNvSpPr>
+            <a:spLocks noGrp="1" noChangeArrowheads="1"/>
+          </p:cNvSpPr>
+          <p:nvPr>
+            <p:ph type="body" idx="1"/>
           </p:nvPr>
         </p:nvSpPr>
         <p:spPr>
           <a:xfrm>
-            <a:off x="992188" y="1427163"/>
-            <a:ext cx="7874000" cy="4638675"/>
+            <a:off x="992188" y="1592263"/>
+            <a:ext cx="7874000" cy="4337050"/>
           </a:xfrm>
         </p:spPr>
         <p:txBody>
           <a:bodyPr/>
           <a:lstStyle/>
           <a:p>
-            <a:r>
-              <a:rPr lang="en-US" smtClean="0"/>
-              <a:t>Create local fields using LOCAL.TABLE application as shown</a:t>
-            </a:r>
-          </a:p>
-          <a:p>
-            <a:endParaRPr lang="en-US" smtClean="0"/>
+            <a:pPr eaLnBrk="1" hangingPunct="1"/>
+            <a:r>
+              <a:rPr lang="en-US" smtClean="0"/>
+              <a:t>Create a local field using LOCAL.TABLE application</a:t>
+            </a:r>
           </a:p>
         </p:txBody>
       </p:sp>
       <p:pic>
         <p:nvPicPr>
-          <p:cNvPr id="33796" name="Picture 6"/>
+          <p:cNvPr id="29700" name="Picture 5"/>
           <p:cNvPicPr>
             <a:picLocks noChangeAspect="1" noChangeArrowheads="1"/>
           </p:cNvPicPr>
@@ -7705,15 +7882,15 @@
         </p:nvPicPr>
         <p:blipFill>
           <a:blip r:embed="rId2" cstate="print"/>
-          <a:srcRect b="7828"/>
+          <a:srcRect b="12988"/>
           <a:stretch>
             <a:fillRect/>
           </a:stretch>
         </p:blipFill>
         <p:spPr bwMode="auto">
           <a:xfrm>
-            <a:off x="1122363" y="2235200"/>
-            <a:ext cx="3779837" cy="3860800"/>
+            <a:off x="2325688" y="2047875"/>
+            <a:ext cx="4659312" cy="4032250"/>
           </a:xfrm>
           <a:prstGeom prst="rect">
             <a:avLst/>
@@ -7731,7 +7908,7 @@
       </p:pic>
       <p:pic>
         <p:nvPicPr>
-          <p:cNvPr id="33797" name="Picture 7"/>
+          <p:cNvPr id="29701" name="Picture 5"/>
           <p:cNvPicPr>
             <a:picLocks noChangeAspect="1" noChangeArrowheads="1"/>
           </p:cNvPicPr>
@@ -7746,74 +7923,8 @@
         </p:blipFill>
         <p:spPr bwMode="auto">
           <a:xfrm>
-            <a:off x="4965700" y="2230438"/>
-            <a:ext cx="3860800" cy="3865562"/>
-          </a:xfrm>
-          <a:prstGeom prst="rect">
-            <a:avLst/>
-          </a:prstGeom>
-          <a:noFill/>
-          <a:ln w="19050">
-            <a:solidFill>
-              <a:srgbClr val="0000FF"/>
-            </a:solidFill>
-            <a:miter lim="800000"/>
-            <a:headEnd/>
-            <a:tailEnd/>
-          </a:ln>
-        </p:spPr>
-      </p:pic>
-      <p:pic>
-        <p:nvPicPr>
-          <p:cNvPr id="33798" name="Picture 6"/>
-          <p:cNvPicPr>
-            <a:picLocks noChangeAspect="1" noChangeArrowheads="1"/>
-          </p:cNvPicPr>
-          <p:nvPr/>
-        </p:nvPicPr>
-        <p:blipFill>
-          <a:blip r:embed="rId4" cstate="print"/>
-          <a:srcRect/>
-          <a:stretch>
-            <a:fillRect/>
-          </a:stretch>
-        </p:blipFill>
-        <p:spPr bwMode="auto">
-          <a:xfrm>
-            <a:off x="2197100" y="2692400"/>
-            <a:ext cx="1295400" cy="138113"/>
-          </a:xfrm>
-          <a:prstGeom prst="rect">
-            <a:avLst/>
-          </a:prstGeom>
-          <a:noFill/>
-          <a:ln w="9525">
-            <a:noFill/>
-            <a:miter lim="800000"/>
-            <a:headEnd/>
-            <a:tailEnd/>
-          </a:ln>
-        </p:spPr>
-      </p:pic>
-      <p:pic>
-        <p:nvPicPr>
-          <p:cNvPr id="33799" name="Picture 7"/>
-          <p:cNvPicPr>
-            <a:picLocks noChangeAspect="1" noChangeArrowheads="1"/>
-          </p:cNvPicPr>
-          <p:nvPr/>
-        </p:nvPicPr>
-        <p:blipFill>
-          <a:blip r:embed="rId4" cstate="print"/>
-          <a:srcRect/>
-          <a:stretch>
-            <a:fillRect/>
-          </a:stretch>
-        </p:blipFill>
-        <p:spPr bwMode="auto">
-          <a:xfrm>
-            <a:off x="6045200" y="2755900"/>
-            <a:ext cx="1295400" cy="188913"/>
+            <a:off x="3606800" y="2541588"/>
+            <a:ext cx="1295400" cy="200025"/>
           </a:xfrm>
           <a:prstGeom prst="rect">
             <a:avLst/>
@@ -7864,9 +7975,9 @@
       </p:grpSpPr>
       <p:sp>
         <p:nvSpPr>
-          <p:cNvPr id="34818" name="Title 1"/>
-          <p:cNvSpPr>
-            <a:spLocks noGrp="1"/>
+          <p:cNvPr id="30722" name="Rectangle 2"/>
+          <p:cNvSpPr>
+            <a:spLocks noGrp="1" noChangeArrowheads="1"/>
           </p:cNvSpPr>
           <p:nvPr>
             <p:ph type="title"/>
@@ -7877,40 +7988,45 @@
           <a:bodyPr/>
           <a:lstStyle/>
           <a:p>
-            <a:r>
-              <a:rPr lang="en-US" smtClean="0"/>
-              <a:t>Solution 2</a:t>
-            </a:r>
-          </a:p>
-        </p:txBody>
-      </p:sp>
-      <p:sp>
-        <p:nvSpPr>
-          <p:cNvPr id="34819" name="Content Placeholder 2"/>
-          <p:cNvSpPr>
-            <a:spLocks noGrp="1"/>
-          </p:cNvSpPr>
-          <p:nvPr>
-            <p:ph idx="1"/>
+            <a:pPr eaLnBrk="1" hangingPunct="1"/>
+            <a:r>
+              <a:rPr lang="en-US" smtClean="0"/>
+              <a:t>Solution 1</a:t>
+            </a:r>
+          </a:p>
+        </p:txBody>
+      </p:sp>
+      <p:sp>
+        <p:nvSpPr>
+          <p:cNvPr id="30723" name="Rectangle 3"/>
+          <p:cNvSpPr>
+            <a:spLocks noGrp="1" noChangeArrowheads="1"/>
+          </p:cNvSpPr>
+          <p:nvPr>
+            <p:ph type="body" idx="1"/>
           </p:nvPr>
         </p:nvSpPr>
         <p:spPr>
           <a:xfrm>
             <a:off x="992188" y="1592263"/>
-            <a:ext cx="7874000" cy="4638675"/>
+            <a:ext cx="7874000" cy="4337050"/>
           </a:xfrm>
         </p:spPr>
         <p:txBody>
           <a:bodyPr/>
           <a:lstStyle/>
           <a:p>
-            <a:endParaRPr lang="en-US" smtClean="0"/>
+            <a:pPr eaLnBrk="1" hangingPunct="1"/>
+            <a:r>
+              <a:rPr lang="en-US" smtClean="0"/>
+              <a:t>Create an entry of the newly created local field in the Account application</a:t>
+            </a:r>
           </a:p>
         </p:txBody>
       </p:sp>
       <p:pic>
         <p:nvPicPr>
-          <p:cNvPr id="34820" name="Picture 6"/>
+          <p:cNvPr id="30724" name="Picture 5"/>
           <p:cNvPicPr>
             <a:picLocks noChangeAspect="1" noChangeArrowheads="1"/>
           </p:cNvPicPr>
@@ -7925,8 +8041,8 @@
         </p:blipFill>
         <p:spPr bwMode="auto">
           <a:xfrm>
-            <a:off x="974725" y="1628775"/>
-            <a:ext cx="3940175" cy="3794125"/>
+            <a:off x="2084388" y="2592388"/>
+            <a:ext cx="5000625" cy="1876425"/>
           </a:xfrm>
           <a:prstGeom prst="rect">
             <a:avLst/>
@@ -7944,7 +8060,7 @@
       </p:pic>
       <p:pic>
         <p:nvPicPr>
-          <p:cNvPr id="34821" name="Picture 7"/>
+          <p:cNvPr id="30725" name="Picture 5"/>
           <p:cNvPicPr>
             <a:picLocks noChangeAspect="1" noChangeArrowheads="1"/>
           </p:cNvPicPr>
@@ -7959,73 +8075,7 @@
         </p:blipFill>
         <p:spPr bwMode="auto">
           <a:xfrm>
-            <a:off x="4978400" y="1624013"/>
-            <a:ext cx="3903663" cy="3798887"/>
-          </a:xfrm>
-          <a:prstGeom prst="rect">
-            <a:avLst/>
-          </a:prstGeom>
-          <a:noFill/>
-          <a:ln w="19050">
-            <a:solidFill>
-              <a:srgbClr val="0000FF"/>
-            </a:solidFill>
-            <a:miter lim="800000"/>
-            <a:headEnd/>
-            <a:tailEnd/>
-          </a:ln>
-        </p:spPr>
-      </p:pic>
-      <p:pic>
-        <p:nvPicPr>
-          <p:cNvPr id="34822" name="Picture 6"/>
-          <p:cNvPicPr>
-            <a:picLocks noChangeAspect="1" noChangeArrowheads="1"/>
-          </p:cNvPicPr>
-          <p:nvPr/>
-        </p:nvPicPr>
-        <p:blipFill>
-          <a:blip r:embed="rId4" cstate="print"/>
-          <a:srcRect/>
-          <a:stretch>
-            <a:fillRect/>
-          </a:stretch>
-        </p:blipFill>
-        <p:spPr bwMode="auto">
-          <a:xfrm>
-            <a:off x="2095500" y="2160588"/>
-            <a:ext cx="1295400" cy="200025"/>
-          </a:xfrm>
-          <a:prstGeom prst="rect">
-            <a:avLst/>
-          </a:prstGeom>
-          <a:noFill/>
-          <a:ln w="9525">
-            <a:noFill/>
-            <a:miter lim="800000"/>
-            <a:headEnd/>
-            <a:tailEnd/>
-          </a:ln>
-        </p:spPr>
-      </p:pic>
-      <p:pic>
-        <p:nvPicPr>
-          <p:cNvPr id="34823" name="Picture 7"/>
-          <p:cNvPicPr>
-            <a:picLocks noChangeAspect="1" noChangeArrowheads="1"/>
-          </p:cNvPicPr>
-          <p:nvPr/>
-        </p:nvPicPr>
-        <p:blipFill>
-          <a:blip r:embed="rId4" cstate="print"/>
-          <a:srcRect/>
-          <a:stretch>
-            <a:fillRect/>
-          </a:stretch>
-        </p:blipFill>
-        <p:spPr bwMode="auto">
-          <a:xfrm>
-            <a:off x="6070600" y="2109788"/>
+            <a:off x="4749800" y="3176588"/>
             <a:ext cx="1295400" cy="200025"/>
           </a:xfrm>
           <a:prstGeom prst="rect">
@@ -8077,9 +8127,9 @@
       </p:grpSpPr>
       <p:sp>
         <p:nvSpPr>
-          <p:cNvPr id="35842" name="Title 1"/>
-          <p:cNvSpPr>
-            <a:spLocks noGrp="1"/>
+          <p:cNvPr id="31746" name="Rectangle 2"/>
+          <p:cNvSpPr>
+            <a:spLocks noGrp="1" noChangeArrowheads="1"/>
           </p:cNvSpPr>
           <p:nvPr>
             <p:ph type="title"/>
@@ -8090,46 +8140,45 @@
           <a:bodyPr/>
           <a:lstStyle/>
           <a:p>
-            <a:r>
-              <a:rPr lang="en-US" smtClean="0"/>
-              <a:t>Solution 2</a:t>
-            </a:r>
-          </a:p>
-        </p:txBody>
-      </p:sp>
-      <p:sp>
-        <p:nvSpPr>
-          <p:cNvPr id="35843" name="Content Placeholder 2"/>
-          <p:cNvSpPr>
-            <a:spLocks noGrp="1"/>
-          </p:cNvSpPr>
-          <p:nvPr>
-            <p:ph idx="1"/>
+            <a:pPr eaLnBrk="1" hangingPunct="1"/>
+            <a:r>
+              <a:rPr lang="en-US" smtClean="0"/>
+              <a:t>Solution 1</a:t>
+            </a:r>
+          </a:p>
+        </p:txBody>
+      </p:sp>
+      <p:sp>
+        <p:nvSpPr>
+          <p:cNvPr id="31747" name="Rectangle 3"/>
+          <p:cNvSpPr>
+            <a:spLocks noGrp="1" noChangeArrowheads="1"/>
+          </p:cNvSpPr>
+          <p:nvPr>
+            <p:ph type="body" idx="1"/>
           </p:nvPr>
         </p:nvSpPr>
         <p:spPr>
           <a:xfrm>
             <a:off x="992188" y="1592263"/>
-            <a:ext cx="7874000" cy="4638675"/>
+            <a:ext cx="7874000" cy="4337050"/>
           </a:xfrm>
         </p:spPr>
         <p:txBody>
           <a:bodyPr/>
           <a:lstStyle/>
           <a:p>
-            <a:r>
-              <a:rPr lang="en-US" smtClean="0"/>
-              <a:t>Create an entry of the newly created local field in the Account application</a:t>
-            </a:r>
-          </a:p>
-          <a:p>
-            <a:endParaRPr lang="en-US" smtClean="0"/>
+            <a:pPr eaLnBrk="1" hangingPunct="1"/>
+            <a:r>
+              <a:rPr lang="en-US" smtClean="0"/>
+              <a:t>The attached Local Reference field appears in Account application as shown</a:t>
+            </a:r>
           </a:p>
         </p:txBody>
       </p:sp>
       <p:pic>
         <p:nvPicPr>
-          <p:cNvPr id="35844" name="Picture 5"/>
+          <p:cNvPr id="31748" name="Picture 5"/>
           <p:cNvPicPr>
             <a:picLocks noChangeAspect="1" noChangeArrowheads="1"/>
           </p:cNvPicPr>
@@ -8144,8 +8193,8 @@
         </p:blipFill>
         <p:spPr bwMode="auto">
           <a:xfrm>
-            <a:off x="2195513" y="2493963"/>
-            <a:ext cx="4981575" cy="3495675"/>
+            <a:off x="2217738" y="2371725"/>
+            <a:ext cx="4614862" cy="4054475"/>
           </a:xfrm>
           <a:prstGeom prst="rect">
             <a:avLst/>
@@ -8163,7 +8212,7 @@
       </p:pic>
       <p:pic>
         <p:nvPicPr>
-          <p:cNvPr id="35845" name="Picture 5"/>
+          <p:cNvPr id="31749" name="Picture 5"/>
           <p:cNvPicPr>
             <a:picLocks noChangeAspect="1" noChangeArrowheads="1"/>
           </p:cNvPicPr>
@@ -8178,7 +8227,7 @@
         </p:blipFill>
         <p:spPr bwMode="auto">
           <a:xfrm>
-            <a:off x="4813300" y="3113088"/>
+            <a:off x="3289300" y="2744788"/>
             <a:ext cx="1295400" cy="200025"/>
           </a:xfrm>
           <a:prstGeom prst="rect">
@@ -8230,7 +8279,7 @@
       </p:grpSpPr>
       <p:sp>
         <p:nvSpPr>
-          <p:cNvPr id="36866" name="Title 1"/>
+          <p:cNvPr id="32770" name="Title 1"/>
           <p:cNvSpPr>
             <a:spLocks noGrp="1"/>
           </p:cNvSpPr>
@@ -8245,14 +8294,14 @@
           <a:p>
             <a:r>
               <a:rPr lang="en-US" smtClean="0"/>
-              <a:t>Solution 2</a:t>
-            </a:r>
-          </a:p>
-        </p:txBody>
-      </p:sp>
-      <p:sp>
-        <p:nvSpPr>
-          <p:cNvPr id="36867" name="Content Placeholder 2"/>
+              <a:t>Workshop 2</a:t>
+            </a:r>
+          </a:p>
+        </p:txBody>
+      </p:sp>
+      <p:sp>
+        <p:nvSpPr>
+          <p:cNvPr id="32771" name="Content Placeholder 2"/>
           <p:cNvSpPr>
             <a:spLocks noGrp="1"/>
           </p:cNvSpPr>
@@ -8272,146 +8321,11 @@
           <a:p>
             <a:r>
               <a:rPr lang="en-US" smtClean="0"/>
-              <a:t>The Local Reference field appears as shown</a:t>
-            </a:r>
-          </a:p>
-          <a:p>
-            <a:endParaRPr lang="en-US" smtClean="0"/>
-          </a:p>
-        </p:txBody>
-      </p:sp>
-      <p:pic>
-        <p:nvPicPr>
-          <p:cNvPr id="36868" name="Picture 6"/>
-          <p:cNvPicPr>
-            <a:picLocks noChangeAspect="1" noChangeArrowheads="1"/>
-          </p:cNvPicPr>
-          <p:nvPr/>
-        </p:nvPicPr>
-        <p:blipFill>
-          <a:blip r:embed="rId2" cstate="print"/>
-          <a:srcRect/>
-          <a:stretch>
-            <a:fillRect/>
-          </a:stretch>
-        </p:blipFill>
-        <p:spPr bwMode="auto">
-          <a:xfrm>
-            <a:off x="1060450" y="2027238"/>
-            <a:ext cx="3778250" cy="4246562"/>
-          </a:xfrm>
-          <a:prstGeom prst="rect">
-            <a:avLst/>
-          </a:prstGeom>
-          <a:noFill/>
-          <a:ln w="19050">
-            <a:solidFill>
-              <a:srgbClr val="0000FF"/>
-            </a:solidFill>
-            <a:miter lim="800000"/>
-            <a:headEnd/>
-            <a:tailEnd/>
-          </a:ln>
-        </p:spPr>
-      </p:pic>
-      <p:pic>
-        <p:nvPicPr>
-          <p:cNvPr id="36869" name="Picture 7"/>
-          <p:cNvPicPr>
-            <a:picLocks noChangeAspect="1" noChangeArrowheads="1"/>
-          </p:cNvPicPr>
-          <p:nvPr/>
-        </p:nvPicPr>
-        <p:blipFill>
-          <a:blip r:embed="rId3" cstate="print"/>
-          <a:srcRect/>
-          <a:stretch>
-            <a:fillRect/>
-          </a:stretch>
-        </p:blipFill>
-        <p:spPr bwMode="auto">
-          <a:xfrm>
-            <a:off x="4940300" y="1998663"/>
-            <a:ext cx="3911600" cy="4262437"/>
-          </a:xfrm>
-          <a:prstGeom prst="rect">
-            <a:avLst/>
-          </a:prstGeom>
-          <a:noFill/>
-          <a:ln w="19050">
-            <a:solidFill>
-              <a:srgbClr val="0000FF"/>
-            </a:solidFill>
-            <a:miter lim="800000"/>
-            <a:headEnd/>
-            <a:tailEnd/>
-          </a:ln>
-        </p:spPr>
-      </p:pic>
-      <p:pic>
-        <p:nvPicPr>
-          <p:cNvPr id="36870" name="Picture 6"/>
-          <p:cNvPicPr>
-            <a:picLocks noChangeAspect="1" noChangeArrowheads="1"/>
-          </p:cNvPicPr>
-          <p:nvPr/>
-        </p:nvPicPr>
-        <p:blipFill>
-          <a:blip r:embed="rId4" cstate="print"/>
-          <a:srcRect/>
-          <a:stretch>
-            <a:fillRect/>
-          </a:stretch>
-        </p:blipFill>
-        <p:spPr bwMode="auto">
-          <a:xfrm>
-            <a:off x="1930400" y="2427288"/>
-            <a:ext cx="1295400" cy="112712"/>
-          </a:xfrm>
-          <a:prstGeom prst="rect">
-            <a:avLst/>
-          </a:prstGeom>
-          <a:noFill/>
-          <a:ln w="9525">
-            <a:noFill/>
-            <a:miter lim="800000"/>
-            <a:headEnd/>
-            <a:tailEnd/>
-          </a:ln>
-        </p:spPr>
-      </p:pic>
-      <p:pic>
-        <p:nvPicPr>
-          <p:cNvPr id="36871" name="Picture 7"/>
-          <p:cNvPicPr>
-            <a:picLocks noChangeAspect="1" noChangeArrowheads="1"/>
-          </p:cNvPicPr>
-          <p:nvPr/>
-        </p:nvPicPr>
-        <p:blipFill>
-          <a:blip r:embed="rId4" cstate="print"/>
-          <a:srcRect/>
-          <a:stretch>
-            <a:fillRect/>
-          </a:stretch>
-        </p:blipFill>
-        <p:spPr bwMode="auto">
-          <a:xfrm>
-            <a:off x="5816600" y="2401888"/>
-            <a:ext cx="1295400" cy="112712"/>
-          </a:xfrm>
-          <a:prstGeom prst="rect">
-            <a:avLst/>
-          </a:prstGeom>
-          <a:noFill/>
-          <a:ln w="9525">
-            <a:noFill/>
-            <a:miter lim="800000"/>
-            <a:headEnd/>
-            <a:tailEnd/>
-          </a:ln>
-        </p:spPr>
-      </p:pic>
+              <a:t>Create local reference fields ‘ID Proof’ and ‘Proof’ for Account application, setting Proof as multi-value field</a:t>
+            </a:r>
+          </a:p>
+        </p:txBody>
+      </p:sp>
     </p:spTree>
   </p:cSld>
   <p:clrMapOvr>
@@ -8449,9 +8363,9 @@
       </p:grpSpPr>
       <p:sp>
         <p:nvSpPr>
-          <p:cNvPr id="38914" name="Rectangle 2"/>
-          <p:cNvSpPr>
-            <a:spLocks noGrp="1" noChangeArrowheads="1"/>
+          <p:cNvPr id="33794" name="Title 1"/>
+          <p:cNvSpPr>
+            <a:spLocks noGrp="1"/>
           </p:cNvSpPr>
           <p:nvPr>
             <p:ph type="title"/>
@@ -8462,52 +8376,46 @@
           <a:bodyPr/>
           <a:lstStyle/>
           <a:p>
-            <a:pPr eaLnBrk="1" hangingPunct="1"/>
-            <a:r>
-              <a:rPr lang="en-US" smtClean="0"/>
-              <a:t>Local Reference Fields with condition</a:t>
-            </a:r>
-          </a:p>
-        </p:txBody>
-      </p:sp>
-      <p:sp>
-        <p:nvSpPr>
-          <p:cNvPr id="38915" name="Rectangle 3"/>
-          <p:cNvSpPr>
-            <a:spLocks noGrp="1" noChangeArrowheads="1"/>
-          </p:cNvSpPr>
-          <p:nvPr>
-            <p:ph type="body" idx="1"/>
+            <a:r>
+              <a:rPr lang="en-US" smtClean="0"/>
+              <a:t>Solution 2</a:t>
+            </a:r>
+          </a:p>
+        </p:txBody>
+      </p:sp>
+      <p:sp>
+        <p:nvSpPr>
+          <p:cNvPr id="33795" name="Content Placeholder 2"/>
+          <p:cNvSpPr>
+            <a:spLocks noGrp="1"/>
+          </p:cNvSpPr>
+          <p:nvPr>
+            <p:ph idx="1"/>
           </p:nvPr>
         </p:nvSpPr>
         <p:spPr>
           <a:xfrm>
-            <a:off x="992188" y="1592263"/>
-            <a:ext cx="7874000" cy="4337050"/>
+            <a:off x="992188" y="1427163"/>
+            <a:ext cx="7874000" cy="4638675"/>
           </a:xfrm>
         </p:spPr>
         <p:txBody>
           <a:bodyPr/>
           <a:lstStyle/>
           <a:p>
-            <a:pPr eaLnBrk="1" hangingPunct="1"/>
-            <a:r>
-              <a:rPr lang="en-US" smtClean="0"/>
-              <a:t>The Local reference field can be set as No Input field and then can be defaulted based on condition</a:t>
-            </a:r>
-          </a:p>
-          <a:p>
-            <a:pPr eaLnBrk="1" hangingPunct="1"/>
-            <a:r>
-              <a:rPr lang="en-US" smtClean="0"/>
-              <a:t>For condition setup, use the LOCAL.TABLE fields (shown in screen shot)</a:t>
-            </a:r>
+            <a:r>
+              <a:rPr lang="en-US" smtClean="0"/>
+              <a:t>Create local fields using LOCAL.TABLE application as shown</a:t>
+            </a:r>
+          </a:p>
+          <a:p>
+            <a:endParaRPr lang="en-US" smtClean="0"/>
           </a:p>
         </p:txBody>
       </p:sp>
       <p:pic>
         <p:nvPicPr>
-          <p:cNvPr id="38916" name="Picture 5"/>
+          <p:cNvPr id="33796" name="Picture 6"/>
           <p:cNvPicPr>
             <a:picLocks noChangeAspect="1" noChangeArrowheads="1"/>
           </p:cNvPicPr>
@@ -8515,15 +8423,15 @@
         </p:nvPicPr>
         <p:blipFill>
           <a:blip r:embed="rId2" cstate="print"/>
-          <a:srcRect/>
+          <a:srcRect b="7828"/>
           <a:stretch>
             <a:fillRect/>
           </a:stretch>
         </p:blipFill>
         <p:spPr bwMode="auto">
           <a:xfrm>
-            <a:off x="2590800" y="3406775"/>
-            <a:ext cx="4343400" cy="2762250"/>
+            <a:off x="1122363" y="2235200"/>
+            <a:ext cx="3779837" cy="3860800"/>
           </a:xfrm>
           <a:prstGeom prst="rect">
             <a:avLst/>
@@ -8533,6 +8441,104 @@
             <a:solidFill>
               <a:srgbClr val="0000FF"/>
             </a:solidFill>
+            <a:miter lim="800000"/>
+            <a:headEnd/>
+            <a:tailEnd/>
+          </a:ln>
+        </p:spPr>
+      </p:pic>
+      <p:pic>
+        <p:nvPicPr>
+          <p:cNvPr id="33797" name="Picture 7"/>
+          <p:cNvPicPr>
+            <a:picLocks noChangeAspect="1" noChangeArrowheads="1"/>
+          </p:cNvPicPr>
+          <p:nvPr/>
+        </p:nvPicPr>
+        <p:blipFill>
+          <a:blip r:embed="rId3" cstate="print"/>
+          <a:srcRect/>
+          <a:stretch>
+            <a:fillRect/>
+          </a:stretch>
+        </p:blipFill>
+        <p:spPr bwMode="auto">
+          <a:xfrm>
+            <a:off x="4965700" y="2230438"/>
+            <a:ext cx="3860800" cy="3865562"/>
+          </a:xfrm>
+          <a:prstGeom prst="rect">
+            <a:avLst/>
+          </a:prstGeom>
+          <a:noFill/>
+          <a:ln w="19050">
+            <a:solidFill>
+              <a:srgbClr val="0000FF"/>
+            </a:solidFill>
+            <a:miter lim="800000"/>
+            <a:headEnd/>
+            <a:tailEnd/>
+          </a:ln>
+        </p:spPr>
+      </p:pic>
+      <p:pic>
+        <p:nvPicPr>
+          <p:cNvPr id="33798" name="Picture 6"/>
+          <p:cNvPicPr>
+            <a:picLocks noChangeAspect="1" noChangeArrowheads="1"/>
+          </p:cNvPicPr>
+          <p:nvPr/>
+        </p:nvPicPr>
+        <p:blipFill>
+          <a:blip r:embed="rId4" cstate="print"/>
+          <a:srcRect/>
+          <a:stretch>
+            <a:fillRect/>
+          </a:stretch>
+        </p:blipFill>
+        <p:spPr bwMode="auto">
+          <a:xfrm>
+            <a:off x="2197100" y="2692400"/>
+            <a:ext cx="1295400" cy="138113"/>
+          </a:xfrm>
+          <a:prstGeom prst="rect">
+            <a:avLst/>
+          </a:prstGeom>
+          <a:noFill/>
+          <a:ln w="9525">
+            <a:noFill/>
+            <a:miter lim="800000"/>
+            <a:headEnd/>
+            <a:tailEnd/>
+          </a:ln>
+        </p:spPr>
+      </p:pic>
+      <p:pic>
+        <p:nvPicPr>
+          <p:cNvPr id="33799" name="Picture 7"/>
+          <p:cNvPicPr>
+            <a:picLocks noChangeAspect="1" noChangeArrowheads="1"/>
+          </p:cNvPicPr>
+          <p:nvPr/>
+        </p:nvPicPr>
+        <p:blipFill>
+          <a:blip r:embed="rId4" cstate="print"/>
+          <a:srcRect/>
+          <a:stretch>
+            <a:fillRect/>
+          </a:stretch>
+        </p:blipFill>
+        <p:spPr bwMode="auto">
+          <a:xfrm>
+            <a:off x="6045200" y="2755900"/>
+            <a:ext cx="1295400" cy="188913"/>
+          </a:xfrm>
+          <a:prstGeom prst="rect">
+            <a:avLst/>
+          </a:prstGeom>
+          <a:noFill/>
+          <a:ln w="9525">
+            <a:noFill/>
             <a:miter lim="800000"/>
             <a:headEnd/>
             <a:tailEnd/>
@@ -8576,9 +8582,9 @@
       </p:grpSpPr>
       <p:sp>
         <p:nvSpPr>
-          <p:cNvPr id="39938" name="Rectangle 2"/>
-          <p:cNvSpPr>
-            <a:spLocks noGrp="1" noChangeArrowheads="1"/>
+          <p:cNvPr id="34818" name="Title 1"/>
+          <p:cNvSpPr>
+            <a:spLocks noGrp="1"/>
           </p:cNvSpPr>
           <p:nvPr>
             <p:ph type="title"/>
@@ -8589,63 +8595,169 @@
           <a:bodyPr/>
           <a:lstStyle/>
           <a:p>
-            <a:pPr eaLnBrk="1" hangingPunct="1"/>
-            <a:r>
-              <a:rPr lang="en-US" smtClean="0"/>
-              <a:t>Important Fields</a:t>
-            </a:r>
-          </a:p>
-        </p:txBody>
-      </p:sp>
-      <p:sp>
-        <p:nvSpPr>
-          <p:cNvPr id="39939" name="Rectangle 3"/>
-          <p:cNvSpPr>
-            <a:spLocks noGrp="1" noChangeArrowheads="1"/>
-          </p:cNvSpPr>
-          <p:nvPr>
-            <p:ph type="body" idx="1"/>
+            <a:r>
+              <a:rPr lang="en-US" smtClean="0"/>
+              <a:t>Solution 2</a:t>
+            </a:r>
+          </a:p>
+        </p:txBody>
+      </p:sp>
+      <p:sp>
+        <p:nvSpPr>
+          <p:cNvPr id="34819" name="Content Placeholder 2"/>
+          <p:cNvSpPr>
+            <a:spLocks noGrp="1"/>
+          </p:cNvSpPr>
+          <p:nvPr>
+            <p:ph idx="1"/>
           </p:nvPr>
         </p:nvSpPr>
         <p:spPr>
           <a:xfrm>
             <a:off x="992188" y="1592263"/>
-            <a:ext cx="7874000" cy="4337050"/>
+            <a:ext cx="7874000" cy="4638675"/>
           </a:xfrm>
         </p:spPr>
         <p:txBody>
           <a:bodyPr/>
           <a:lstStyle/>
           <a:p>
-            <a:pPr eaLnBrk="1" hangingPunct="1"/>
-            <a:r>
-              <a:rPr lang="en-US" smtClean="0"/>
-              <a:t>Application – To which the local field is going to be attached</a:t>
-            </a:r>
-          </a:p>
-          <a:p>
-            <a:pPr eaLnBrk="1" hangingPunct="1"/>
-            <a:r>
-              <a:rPr lang="en-US" smtClean="0"/>
-              <a:t>Decis Field – Field in the application whose value has to be checked</a:t>
-            </a:r>
-          </a:p>
-          <a:p>
-            <a:pPr eaLnBrk="1" hangingPunct="1"/>
-            <a:r>
-              <a:rPr lang="en-US" smtClean="0"/>
-              <a:t>Replace File – Another application</a:t>
-            </a:r>
-          </a:p>
-          <a:p>
-            <a:pPr eaLnBrk="1" hangingPunct="1"/>
-            <a:r>
-              <a:rPr lang="en-US" smtClean="0"/>
-              <a:t>Replace Fld – Field in application whose value needs to be checked</a:t>
-            </a:r>
-          </a:p>
-        </p:txBody>
-      </p:sp>
+            <a:endParaRPr lang="en-US" smtClean="0"/>
+          </a:p>
+        </p:txBody>
+      </p:sp>
+      <p:pic>
+        <p:nvPicPr>
+          <p:cNvPr id="34820" name="Picture 6"/>
+          <p:cNvPicPr>
+            <a:picLocks noChangeAspect="1" noChangeArrowheads="1"/>
+          </p:cNvPicPr>
+          <p:nvPr/>
+        </p:nvPicPr>
+        <p:blipFill>
+          <a:blip r:embed="rId2" cstate="print"/>
+          <a:srcRect/>
+          <a:stretch>
+            <a:fillRect/>
+          </a:stretch>
+        </p:blipFill>
+        <p:spPr bwMode="auto">
+          <a:xfrm>
+            <a:off x="974725" y="1628775"/>
+            <a:ext cx="3940175" cy="3794125"/>
+          </a:xfrm>
+          <a:prstGeom prst="rect">
+            <a:avLst/>
+          </a:prstGeom>
+          <a:noFill/>
+          <a:ln w="19050">
+            <a:solidFill>
+              <a:srgbClr val="0000FF"/>
+            </a:solidFill>
+            <a:miter lim="800000"/>
+            <a:headEnd/>
+            <a:tailEnd/>
+          </a:ln>
+        </p:spPr>
+      </p:pic>
+      <p:pic>
+        <p:nvPicPr>
+          <p:cNvPr id="34821" name="Picture 7"/>
+          <p:cNvPicPr>
+            <a:picLocks noChangeAspect="1" noChangeArrowheads="1"/>
+          </p:cNvPicPr>
+          <p:nvPr/>
+        </p:nvPicPr>
+        <p:blipFill>
+          <a:blip r:embed="rId3" cstate="print"/>
+          <a:srcRect/>
+          <a:stretch>
+            <a:fillRect/>
+          </a:stretch>
+        </p:blipFill>
+        <p:spPr bwMode="auto">
+          <a:xfrm>
+            <a:off x="4978400" y="1624013"/>
+            <a:ext cx="3903663" cy="3798887"/>
+          </a:xfrm>
+          <a:prstGeom prst="rect">
+            <a:avLst/>
+          </a:prstGeom>
+          <a:noFill/>
+          <a:ln w="19050">
+            <a:solidFill>
+              <a:srgbClr val="0000FF"/>
+            </a:solidFill>
+            <a:miter lim="800000"/>
+            <a:headEnd/>
+            <a:tailEnd/>
+          </a:ln>
+        </p:spPr>
+      </p:pic>
+      <p:pic>
+        <p:nvPicPr>
+          <p:cNvPr id="34822" name="Picture 6"/>
+          <p:cNvPicPr>
+            <a:picLocks noChangeAspect="1" noChangeArrowheads="1"/>
+          </p:cNvPicPr>
+          <p:nvPr/>
+        </p:nvPicPr>
+        <p:blipFill>
+          <a:blip r:embed="rId4" cstate="print"/>
+          <a:srcRect/>
+          <a:stretch>
+            <a:fillRect/>
+          </a:stretch>
+        </p:blipFill>
+        <p:spPr bwMode="auto">
+          <a:xfrm>
+            <a:off x="2095500" y="2160588"/>
+            <a:ext cx="1295400" cy="200025"/>
+          </a:xfrm>
+          <a:prstGeom prst="rect">
+            <a:avLst/>
+          </a:prstGeom>
+          <a:noFill/>
+          <a:ln w="9525">
+            <a:noFill/>
+            <a:miter lim="800000"/>
+            <a:headEnd/>
+            <a:tailEnd/>
+          </a:ln>
+        </p:spPr>
+      </p:pic>
+      <p:pic>
+        <p:nvPicPr>
+          <p:cNvPr id="34823" name="Picture 7"/>
+          <p:cNvPicPr>
+            <a:picLocks noChangeAspect="1" noChangeArrowheads="1"/>
+          </p:cNvPicPr>
+          <p:nvPr/>
+        </p:nvPicPr>
+        <p:blipFill>
+          <a:blip r:embed="rId4" cstate="print"/>
+          <a:srcRect/>
+          <a:stretch>
+            <a:fillRect/>
+          </a:stretch>
+        </p:blipFill>
+        <p:spPr bwMode="auto">
+          <a:xfrm>
+            <a:off x="6070600" y="2109788"/>
+            <a:ext cx="1295400" cy="200025"/>
+          </a:xfrm>
+          <a:prstGeom prst="rect">
+            <a:avLst/>
+          </a:prstGeom>
+          <a:noFill/>
+          <a:ln w="9525">
+            <a:noFill/>
+            <a:miter lim="800000"/>
+            <a:headEnd/>
+            <a:tailEnd/>
+          </a:ln>
+        </p:spPr>
+      </p:pic>
     </p:spTree>
   </p:cSld>
   <p:clrMapOvr>
@@ -8683,9 +8795,9 @@
       </p:grpSpPr>
       <p:sp>
         <p:nvSpPr>
-          <p:cNvPr id="40962" name="Rectangle 2"/>
-          <p:cNvSpPr>
-            <a:spLocks noGrp="1" noChangeArrowheads="1"/>
+          <p:cNvPr id="35842" name="Title 1"/>
+          <p:cNvSpPr>
+            <a:spLocks noGrp="1"/>
           </p:cNvSpPr>
           <p:nvPr>
             <p:ph type="title"/>
@@ -8696,70 +8808,109 @@
           <a:bodyPr/>
           <a:lstStyle/>
           <a:p>
-            <a:pPr eaLnBrk="1" hangingPunct="1"/>
-            <a:r>
-              <a:rPr lang="en-US" smtClean="0"/>
-              <a:t>Important Fields</a:t>
-            </a:r>
-          </a:p>
-        </p:txBody>
-      </p:sp>
-      <p:sp>
-        <p:nvSpPr>
-          <p:cNvPr id="40963" name="Rectangle 3"/>
-          <p:cNvSpPr>
-            <a:spLocks noGrp="1" noChangeArrowheads="1"/>
-          </p:cNvSpPr>
-          <p:nvPr>
-            <p:ph type="body" idx="1"/>
+            <a:r>
+              <a:rPr lang="en-US" smtClean="0"/>
+              <a:t>Solution 2</a:t>
+            </a:r>
+          </a:p>
+        </p:txBody>
+      </p:sp>
+      <p:sp>
+        <p:nvSpPr>
+          <p:cNvPr id="35843" name="Content Placeholder 2"/>
+          <p:cNvSpPr>
+            <a:spLocks noGrp="1"/>
+          </p:cNvSpPr>
+          <p:nvPr>
+            <p:ph idx="1"/>
           </p:nvPr>
         </p:nvSpPr>
         <p:spPr>
           <a:xfrm>
             <a:off x="992188" y="1592263"/>
-            <a:ext cx="7874000" cy="4337050"/>
+            <a:ext cx="7874000" cy="4638675"/>
           </a:xfrm>
         </p:spPr>
         <p:txBody>
           <a:bodyPr/>
           <a:lstStyle/>
           <a:p>
-            <a:pPr eaLnBrk="1" hangingPunct="1"/>
-            <a:r>
-              <a:rPr lang="en-US" smtClean="0"/>
-              <a:t>Decision - 'EQ', 'GE', 'GT', 'LE', 'LK', 'LT', 'NE', or 'UL'.</a:t>
-            </a:r>
-          </a:p>
-          <a:p>
-            <a:pPr eaLnBrk="1" hangingPunct="1"/>
-            <a:r>
-              <a:rPr lang="en-US" smtClean="0"/>
-              <a:t>Decision Fr / Decision To – Range of values can be specified</a:t>
-            </a:r>
-          </a:p>
-          <a:p>
-            <a:pPr eaLnBrk="1" hangingPunct="1"/>
-            <a:r>
-              <a:rPr lang="en-US" smtClean="0"/>
-              <a:t>Override Possible – Can input in the local field differ from the decision set</a:t>
-            </a:r>
-          </a:p>
-          <a:p>
-            <a:pPr eaLnBrk="1" hangingPunct="1"/>
-            <a:r>
-              <a:rPr lang="en-US" smtClean="0"/>
-              <a:t>Default Possible – If Y, value in vetting table is defaulted</a:t>
-            </a:r>
-          </a:p>
-          <a:p>
-            <a:pPr eaLnBrk="1" hangingPunct="1"/>
-            <a:r>
-              <a:rPr lang="en-US" smtClean="0"/>
-              <a:t>Noinput change Fld – Local field property can be set to no input or no change</a:t>
-            </a:r>
-          </a:p>
-        </p:txBody>
-      </p:sp>
+            <a:r>
+              <a:rPr lang="en-US" smtClean="0"/>
+              <a:t>Create an entry of the newly created local field in the Account application</a:t>
+            </a:r>
+          </a:p>
+          <a:p>
+            <a:endParaRPr lang="en-US" smtClean="0"/>
+          </a:p>
+        </p:txBody>
+      </p:sp>
+      <p:pic>
+        <p:nvPicPr>
+          <p:cNvPr id="35844" name="Picture 5"/>
+          <p:cNvPicPr>
+            <a:picLocks noChangeAspect="1" noChangeArrowheads="1"/>
+          </p:cNvPicPr>
+          <p:nvPr/>
+        </p:nvPicPr>
+        <p:blipFill>
+          <a:blip r:embed="rId2" cstate="print"/>
+          <a:srcRect/>
+          <a:stretch>
+            <a:fillRect/>
+          </a:stretch>
+        </p:blipFill>
+        <p:spPr bwMode="auto">
+          <a:xfrm>
+            <a:off x="2195513" y="2493963"/>
+            <a:ext cx="4981575" cy="3495675"/>
+          </a:xfrm>
+          <a:prstGeom prst="rect">
+            <a:avLst/>
+          </a:prstGeom>
+          <a:noFill/>
+          <a:ln w="19050">
+            <a:solidFill>
+              <a:srgbClr val="0000FF"/>
+            </a:solidFill>
+            <a:miter lim="800000"/>
+            <a:headEnd/>
+            <a:tailEnd/>
+          </a:ln>
+        </p:spPr>
+      </p:pic>
+      <p:pic>
+        <p:nvPicPr>
+          <p:cNvPr id="35845" name="Picture 5"/>
+          <p:cNvPicPr>
+            <a:picLocks noChangeAspect="1" noChangeArrowheads="1"/>
+          </p:cNvPicPr>
+          <p:nvPr/>
+        </p:nvPicPr>
+        <p:blipFill>
+          <a:blip r:embed="rId3" cstate="print"/>
+          <a:srcRect/>
+          <a:stretch>
+            <a:fillRect/>
+          </a:stretch>
+        </p:blipFill>
+        <p:spPr bwMode="auto">
+          <a:xfrm>
+            <a:off x="4813300" y="3113088"/>
+            <a:ext cx="1295400" cy="200025"/>
+          </a:xfrm>
+          <a:prstGeom prst="rect">
+            <a:avLst/>
+          </a:prstGeom>
+          <a:noFill/>
+          <a:ln w="9525">
+            <a:noFill/>
+            <a:miter lim="800000"/>
+            <a:headEnd/>
+            <a:tailEnd/>
+          </a:ln>
+        </p:spPr>
+      </p:pic>
     </p:spTree>
   </p:cSld>
   <p:clrMapOvr>
@@ -8904,9 +9055,9 @@
       </p:grpSpPr>
       <p:sp>
         <p:nvSpPr>
-          <p:cNvPr id="41986" name="Rectangle 2"/>
-          <p:cNvSpPr>
-            <a:spLocks noGrp="1" noChangeArrowheads="1"/>
+          <p:cNvPr id="36866" name="Title 1"/>
+          <p:cNvSpPr>
+            <a:spLocks noGrp="1"/>
           </p:cNvSpPr>
           <p:nvPr>
             <p:ph type="title"/>
@@ -8917,49 +9068,175 @@
           <a:bodyPr/>
           <a:lstStyle/>
           <a:p>
-            <a:pPr eaLnBrk="1" hangingPunct="1"/>
-            <a:r>
-              <a:rPr lang="en-US" smtClean="0"/>
-              <a:t>Important Fields</a:t>
-            </a:r>
-          </a:p>
-        </p:txBody>
-      </p:sp>
-      <p:sp>
-        <p:nvSpPr>
-          <p:cNvPr id="41987" name="Rectangle 3"/>
-          <p:cNvSpPr>
-            <a:spLocks noGrp="1" noChangeArrowheads="1"/>
-          </p:cNvSpPr>
-          <p:nvPr>
-            <p:ph type="body" idx="1"/>
+            <a:r>
+              <a:rPr lang="en-US" smtClean="0"/>
+              <a:t>Solution 2</a:t>
+            </a:r>
+          </a:p>
+        </p:txBody>
+      </p:sp>
+      <p:sp>
+        <p:nvSpPr>
+          <p:cNvPr id="36867" name="Content Placeholder 2"/>
+          <p:cNvSpPr>
+            <a:spLocks noGrp="1"/>
+          </p:cNvSpPr>
+          <p:nvPr>
+            <p:ph idx="1"/>
           </p:nvPr>
         </p:nvSpPr>
         <p:spPr>
           <a:xfrm>
             <a:off x="992188" y="1592263"/>
-            <a:ext cx="7874000" cy="4337050"/>
+            <a:ext cx="7874000" cy="4638675"/>
           </a:xfrm>
         </p:spPr>
         <p:txBody>
           <a:bodyPr/>
           <a:lstStyle/>
           <a:p>
-            <a:pPr eaLnBrk="1" hangingPunct="1"/>
-            <a:r>
-              <a:rPr lang="en-US" smtClean="0"/>
-              <a:t>Application Vet – Application against the key of which the field is being validated</a:t>
-            </a:r>
-          </a:p>
-          <a:p>
-            <a:pPr eaLnBrk="1" hangingPunct="1"/>
-            <a:r>
-              <a:rPr lang="en-US" smtClean="0"/>
-              <a:t>Appl Enrichm Field – Which field in the application mentioned above is to be used as enrichment</a:t>
-            </a:r>
-          </a:p>
-        </p:txBody>
-      </p:sp>
+            <a:r>
+              <a:rPr lang="en-US" smtClean="0"/>
+              <a:t>The Local Reference field appears as shown</a:t>
+            </a:r>
+          </a:p>
+          <a:p>
+            <a:endParaRPr lang="en-US" smtClean="0"/>
+          </a:p>
+        </p:txBody>
+      </p:sp>
+      <p:pic>
+        <p:nvPicPr>
+          <p:cNvPr id="36868" name="Picture 6"/>
+          <p:cNvPicPr>
+            <a:picLocks noChangeAspect="1" noChangeArrowheads="1"/>
+          </p:cNvPicPr>
+          <p:nvPr/>
+        </p:nvPicPr>
+        <p:blipFill>
+          <a:blip r:embed="rId2" cstate="print"/>
+          <a:srcRect/>
+          <a:stretch>
+            <a:fillRect/>
+          </a:stretch>
+        </p:blipFill>
+        <p:spPr bwMode="auto">
+          <a:xfrm>
+            <a:off x="1060450" y="2027238"/>
+            <a:ext cx="3778250" cy="4246562"/>
+          </a:xfrm>
+          <a:prstGeom prst="rect">
+            <a:avLst/>
+          </a:prstGeom>
+          <a:noFill/>
+          <a:ln w="19050">
+            <a:solidFill>
+              <a:srgbClr val="0000FF"/>
+            </a:solidFill>
+            <a:miter lim="800000"/>
+            <a:headEnd/>
+            <a:tailEnd/>
+          </a:ln>
+        </p:spPr>
+      </p:pic>
+      <p:pic>
+        <p:nvPicPr>
+          <p:cNvPr id="36869" name="Picture 7"/>
+          <p:cNvPicPr>
+            <a:picLocks noChangeAspect="1" noChangeArrowheads="1"/>
+          </p:cNvPicPr>
+          <p:nvPr/>
+        </p:nvPicPr>
+        <p:blipFill>
+          <a:blip r:embed="rId3" cstate="print"/>
+          <a:srcRect/>
+          <a:stretch>
+            <a:fillRect/>
+          </a:stretch>
+        </p:blipFill>
+        <p:spPr bwMode="auto">
+          <a:xfrm>
+            <a:off x="4940300" y="1998663"/>
+            <a:ext cx="3911600" cy="4262437"/>
+          </a:xfrm>
+          <a:prstGeom prst="rect">
+            <a:avLst/>
+          </a:prstGeom>
+          <a:noFill/>
+          <a:ln w="19050">
+            <a:solidFill>
+              <a:srgbClr val="0000FF"/>
+            </a:solidFill>
+            <a:miter lim="800000"/>
+            <a:headEnd/>
+            <a:tailEnd/>
+          </a:ln>
+        </p:spPr>
+      </p:pic>
+      <p:pic>
+        <p:nvPicPr>
+          <p:cNvPr id="36870" name="Picture 6"/>
+          <p:cNvPicPr>
+            <a:picLocks noChangeAspect="1" noChangeArrowheads="1"/>
+          </p:cNvPicPr>
+          <p:nvPr/>
+        </p:nvPicPr>
+        <p:blipFill>
+          <a:blip r:embed="rId4" cstate="print"/>
+          <a:srcRect/>
+          <a:stretch>
+            <a:fillRect/>
+          </a:stretch>
+        </p:blipFill>
+        <p:spPr bwMode="auto">
+          <a:xfrm>
+            <a:off x="1930400" y="2427288"/>
+            <a:ext cx="1295400" cy="112712"/>
+          </a:xfrm>
+          <a:prstGeom prst="rect">
+            <a:avLst/>
+          </a:prstGeom>
+          <a:noFill/>
+          <a:ln w="9525">
+            <a:noFill/>
+            <a:miter lim="800000"/>
+            <a:headEnd/>
+            <a:tailEnd/>
+          </a:ln>
+        </p:spPr>
+      </p:pic>
+      <p:pic>
+        <p:nvPicPr>
+          <p:cNvPr id="36871" name="Picture 7"/>
+          <p:cNvPicPr>
+            <a:picLocks noChangeAspect="1" noChangeArrowheads="1"/>
+          </p:cNvPicPr>
+          <p:nvPr/>
+        </p:nvPicPr>
+        <p:blipFill>
+          <a:blip r:embed="rId4" cstate="print"/>
+          <a:srcRect/>
+          <a:stretch>
+            <a:fillRect/>
+          </a:stretch>
+        </p:blipFill>
+        <p:spPr bwMode="auto">
+          <a:xfrm>
+            <a:off x="5816600" y="2401888"/>
+            <a:ext cx="1295400" cy="112712"/>
+          </a:xfrm>
+          <a:prstGeom prst="rect">
+            <a:avLst/>
+          </a:prstGeom>
+          <a:noFill/>
+          <a:ln w="9525">
+            <a:noFill/>
+            <a:miter lim="800000"/>
+            <a:headEnd/>
+            <a:tailEnd/>
+          </a:ln>
+        </p:spPr>
+      </p:pic>
     </p:spTree>
   </p:cSld>
   <p:clrMapOvr>
@@ -8997,65 +9274,50 @@
       </p:grpSpPr>
       <p:sp>
         <p:nvSpPr>
-          <p:cNvPr id="43010" name="Rectangle 2"/>
+          <p:cNvPr id="37890" name="Rectangle 2"/>
           <p:cNvSpPr>
             <a:spLocks noGrp="1" noChangeArrowheads="1"/>
           </p:cNvSpPr>
           <p:nvPr>
-            <p:ph type="title"/>
-          </p:nvPr>
-        </p:nvSpPr>
-        <p:spPr/>
+            <p:ph type="title" idx="4294967295"/>
+          </p:nvPr>
+        </p:nvSpPr>
+        <p:spPr>
+          <a:xfrm>
+            <a:off x="381000" y="2590800"/>
+            <a:ext cx="8229600" cy="1517650"/>
+          </a:xfrm>
+        </p:spPr>
         <p:txBody>
           <a:bodyPr/>
           <a:lstStyle/>
           <a:p>
-            <a:pPr eaLnBrk="1" hangingPunct="1"/>
-            <a:r>
-              <a:rPr lang="en-US" smtClean="0"/>
-              <a:t>Example</a:t>
-            </a:r>
-          </a:p>
-        </p:txBody>
-      </p:sp>
-      <p:sp>
-        <p:nvSpPr>
-          <p:cNvPr id="43011" name="Rectangle 3"/>
-          <p:cNvSpPr>
-            <a:spLocks noGrp="1" noChangeArrowheads="1"/>
-          </p:cNvSpPr>
-          <p:nvPr>
-            <p:ph type="body" idx="1"/>
-          </p:nvPr>
-        </p:nvSpPr>
-        <p:spPr>
-          <a:xfrm>
-            <a:off x="992188" y="1592263"/>
-            <a:ext cx="7874000" cy="4337050"/>
-          </a:xfrm>
-        </p:spPr>
-        <p:txBody>
-          <a:bodyPr/>
-          <a:lstStyle/>
-          <a:p>
-            <a:pPr eaLnBrk="1" hangingPunct="1"/>
-            <a:r>
-              <a:rPr lang="en-US" smtClean="0"/>
-              <a:t>Create a conditional local reference field ‘Valued Customer’ for Account application</a:t>
-            </a:r>
-          </a:p>
-          <a:p>
-            <a:pPr eaLnBrk="1" hangingPunct="1"/>
-            <a:r>
-              <a:rPr lang="en-US" smtClean="0"/>
-              <a:t>Wherein the field is updated with ‘Y’, when the conditions sector = 1000 and category = 1001 are satisfied</a:t>
-            </a:r>
-          </a:p>
-          <a:p>
-            <a:pPr eaLnBrk="1" hangingPunct="1"/>
-            <a:r>
-              <a:rPr lang="en-US" smtClean="0"/>
-              <a:t>The field is updated with ‘N’, when the conditions sector = 1000 and category = 1001 are not satisfied</a:t>
+            <a:pPr eaLnBrk="1" hangingPunct="1">
+              <a:lnSpc>
+                <a:spcPct val="93000"/>
+              </a:lnSpc>
+              <a:tabLst>
+                <a:tab pos="0" algn="l"/>
+                <a:tab pos="914400" algn="l"/>
+                <a:tab pos="1828800" algn="l"/>
+                <a:tab pos="2743200" algn="l"/>
+                <a:tab pos="3657600" algn="l"/>
+                <a:tab pos="4572000" algn="l"/>
+                <a:tab pos="5486400" algn="l"/>
+                <a:tab pos="6400800" algn="l"/>
+                <a:tab pos="7315200" algn="l"/>
+                <a:tab pos="8229600" algn="l"/>
+                <a:tab pos="9144000" algn="l"/>
+                <a:tab pos="10058400" algn="l"/>
+              </a:tabLst>
+            </a:pPr>
+            <a:r>
+              <a:rPr lang="en-US" sz="2800" smtClean="0">
+                <a:solidFill>
+                  <a:schemeClr val="bg1"/>
+                </a:solidFill>
+              </a:rPr>
+              <a:t>Additional Features</a:t>
             </a:r>
           </a:p>
         </p:txBody>
@@ -9097,7 +9359,7 @@
       </p:grpSpPr>
       <p:sp>
         <p:nvSpPr>
-          <p:cNvPr id="44034" name="Rectangle 2"/>
+          <p:cNvPr id="38914" name="Rectangle 2"/>
           <p:cNvSpPr>
             <a:spLocks noGrp="1" noChangeArrowheads="1"/>
           </p:cNvSpPr>
@@ -9113,14 +9375,14 @@
             <a:pPr eaLnBrk="1" hangingPunct="1"/>
             <a:r>
               <a:rPr lang="en-US" smtClean="0"/>
-              <a:t>Solution</a:t>
-            </a:r>
-          </a:p>
-        </p:txBody>
-      </p:sp>
-      <p:sp>
-        <p:nvSpPr>
-          <p:cNvPr id="44035" name="Rectangle 3"/>
+              <a:t>Local Reference Fields with condition</a:t>
+            </a:r>
+          </a:p>
+        </p:txBody>
+      </p:sp>
+      <p:sp>
+        <p:nvSpPr>
+          <p:cNvPr id="38915" name="Rectangle 3"/>
           <p:cNvSpPr>
             <a:spLocks noGrp="1" noChangeArrowheads="1"/>
           </p:cNvSpPr>
@@ -9141,36 +9403,52 @@
             <a:pPr eaLnBrk="1" hangingPunct="1"/>
             <a:r>
               <a:rPr lang="en-US" smtClean="0"/>
-              <a:t>Create a local field ‘Valued Customer’</a:t>
+              <a:t>The Local reference field can be set as No Input field and then can be defaulted based on condition</a:t>
             </a:r>
           </a:p>
           <a:p>
             <a:pPr eaLnBrk="1" hangingPunct="1"/>
             <a:r>
               <a:rPr lang="en-US" smtClean="0"/>
-              <a:t>This local field is to be attached to Account application</a:t>
-            </a:r>
-          </a:p>
-          <a:p>
-            <a:pPr eaLnBrk="1" hangingPunct="1"/>
-            <a:r>
-              <a:rPr lang="en-US" smtClean="0"/>
-              <a:t>Customer field in Account is the link to Customer file from where Sector value is picked up and checked as the first condition</a:t>
-            </a:r>
-          </a:p>
-          <a:p>
-            <a:pPr eaLnBrk="1" hangingPunct="1"/>
-            <a:r>
-              <a:rPr lang="en-US" smtClean="0"/>
-              <a:t>The second condition is Category field in Account</a:t>
-            </a:r>
-          </a:p>
-          <a:p>
-            <a:pPr eaLnBrk="1" hangingPunct="1"/>
-            <a:endParaRPr lang="en-US" smtClean="0"/>
-          </a:p>
-        </p:txBody>
-      </p:sp>
+              <a:t>For condition setup, use the LOCAL.TABLE fields (shown in screen shot)</a:t>
+            </a:r>
+          </a:p>
+        </p:txBody>
+      </p:sp>
+      <p:pic>
+        <p:nvPicPr>
+          <p:cNvPr id="38916" name="Picture 5"/>
+          <p:cNvPicPr>
+            <a:picLocks noChangeAspect="1" noChangeArrowheads="1"/>
+          </p:cNvPicPr>
+          <p:nvPr/>
+        </p:nvPicPr>
+        <p:blipFill>
+          <a:blip r:embed="rId2" cstate="print"/>
+          <a:srcRect/>
+          <a:stretch>
+            <a:fillRect/>
+          </a:stretch>
+        </p:blipFill>
+        <p:spPr bwMode="auto">
+          <a:xfrm>
+            <a:off x="2590800" y="3406775"/>
+            <a:ext cx="4343400" cy="2762250"/>
+          </a:xfrm>
+          <a:prstGeom prst="rect">
+            <a:avLst/>
+          </a:prstGeom>
+          <a:noFill/>
+          <a:ln w="19050">
+            <a:solidFill>
+              <a:srgbClr val="0000FF"/>
+            </a:solidFill>
+            <a:miter lim="800000"/>
+            <a:headEnd/>
+            <a:tailEnd/>
+          </a:ln>
+        </p:spPr>
+      </p:pic>
     </p:spTree>
   </p:cSld>
   <p:clrMapOvr>
@@ -9208,7 +9486,7 @@
       </p:grpSpPr>
       <p:sp>
         <p:nvSpPr>
-          <p:cNvPr id="45058" name="Rectangle 2"/>
+          <p:cNvPr id="39938" name="Rectangle 2"/>
           <p:cNvSpPr>
             <a:spLocks noGrp="1" noChangeArrowheads="1"/>
           </p:cNvSpPr>
@@ -9224,14 +9502,14 @@
             <a:pPr eaLnBrk="1" hangingPunct="1"/>
             <a:r>
               <a:rPr lang="en-US" smtClean="0"/>
-              <a:t>Solution</a:t>
-            </a:r>
-          </a:p>
-        </p:txBody>
-      </p:sp>
-      <p:sp>
-        <p:nvSpPr>
-          <p:cNvPr id="45059" name="Rectangle 3"/>
+              <a:t>Important Fields</a:t>
+            </a:r>
+          </a:p>
+        </p:txBody>
+      </p:sp>
+      <p:sp>
+        <p:nvSpPr>
+          <p:cNvPr id="39939" name="Rectangle 3"/>
           <p:cNvSpPr>
             <a:spLocks noGrp="1" noChangeArrowheads="1"/>
           </p:cNvSpPr>
@@ -9250,78 +9528,34 @@
           <a:lstStyle/>
           <a:p>
             <a:pPr eaLnBrk="1" hangingPunct="1"/>
-            <a:endParaRPr lang="en-US" smtClean="0"/>
-          </a:p>
-        </p:txBody>
-      </p:sp>
-      <p:pic>
-        <p:nvPicPr>
-          <p:cNvPr id="45060" name="Picture 6"/>
-          <p:cNvPicPr>
-            <a:picLocks noChangeAspect="1" noChangeArrowheads="1"/>
-          </p:cNvPicPr>
-          <p:nvPr/>
-        </p:nvPicPr>
-        <p:blipFill>
-          <a:blip r:embed="rId2" cstate="print"/>
-          <a:srcRect/>
-          <a:stretch>
-            <a:fillRect/>
-          </a:stretch>
-        </p:blipFill>
-        <p:spPr bwMode="auto">
-          <a:xfrm>
-            <a:off x="962025" y="1693863"/>
-            <a:ext cx="4016375" cy="3652837"/>
-          </a:xfrm>
-          <a:prstGeom prst="rect">
-            <a:avLst/>
-          </a:prstGeom>
-          <a:noFill/>
-          <a:ln w="19050">
-            <a:solidFill>
-              <a:srgbClr val="0000FF"/>
-            </a:solidFill>
-            <a:miter lim="800000"/>
-            <a:headEnd/>
-            <a:tailEnd/>
-          </a:ln>
-        </p:spPr>
-      </p:pic>
-      <p:pic>
-        <p:nvPicPr>
-          <p:cNvPr id="45061" name="Picture 7"/>
-          <p:cNvPicPr>
-            <a:picLocks noChangeAspect="1" noChangeArrowheads="1"/>
-          </p:cNvPicPr>
-          <p:nvPr/>
-        </p:nvPicPr>
-        <p:blipFill>
-          <a:blip r:embed="rId3" cstate="print"/>
-          <a:srcRect/>
-          <a:stretch>
-            <a:fillRect/>
-          </a:stretch>
-        </p:blipFill>
-        <p:spPr bwMode="auto">
-          <a:xfrm>
-            <a:off x="5072063" y="1684338"/>
-            <a:ext cx="3665537" cy="3662362"/>
-          </a:xfrm>
-          <a:prstGeom prst="rect">
-            <a:avLst/>
-          </a:prstGeom>
-          <a:noFill/>
-          <a:ln w="19050">
-            <a:solidFill>
-              <a:srgbClr val="0000FF"/>
-            </a:solidFill>
-            <a:miter lim="800000"/>
-            <a:headEnd/>
-            <a:tailEnd/>
-          </a:ln>
-        </p:spPr>
-      </p:pic>
+            <a:r>
+              <a:rPr lang="en-US" smtClean="0"/>
+              <a:t>Application – To which the local field is going to be attached</a:t>
+            </a:r>
+          </a:p>
+          <a:p>
+            <a:pPr eaLnBrk="1" hangingPunct="1"/>
+            <a:r>
+              <a:rPr lang="en-US" smtClean="0"/>
+              <a:t>Decis Field – Field in the application whose value has to be checked</a:t>
+            </a:r>
+          </a:p>
+          <a:p>
+            <a:pPr eaLnBrk="1" hangingPunct="1"/>
+            <a:r>
+              <a:rPr lang="en-US" smtClean="0"/>
+              <a:t>Replace File – Another application</a:t>
+            </a:r>
+          </a:p>
+          <a:p>
+            <a:pPr eaLnBrk="1" hangingPunct="1"/>
+            <a:r>
+              <a:rPr lang="en-US" smtClean="0"/>
+              <a:t>Replace Fld – Field in application whose value needs to be checked</a:t>
+            </a:r>
+          </a:p>
+        </p:txBody>
+      </p:sp>
     </p:spTree>
   </p:cSld>
   <p:clrMapOvr>
@@ -9359,7 +9593,7 @@
       </p:grpSpPr>
       <p:sp>
         <p:nvSpPr>
-          <p:cNvPr id="46082" name="Rectangle 2"/>
+          <p:cNvPr id="40962" name="Rectangle 2"/>
           <p:cNvSpPr>
             <a:spLocks noGrp="1" noChangeArrowheads="1"/>
           </p:cNvSpPr>
@@ -9375,14 +9609,14 @@
             <a:pPr eaLnBrk="1" hangingPunct="1"/>
             <a:r>
               <a:rPr lang="en-US" smtClean="0"/>
-              <a:t>Solution</a:t>
-            </a:r>
-          </a:p>
-        </p:txBody>
-      </p:sp>
-      <p:sp>
-        <p:nvSpPr>
-          <p:cNvPr id="46083" name="Rectangle 3"/>
+              <a:t>Important Fields</a:t>
+            </a:r>
+          </a:p>
+        </p:txBody>
+      </p:sp>
+      <p:sp>
+        <p:nvSpPr>
+          <p:cNvPr id="40963" name="Rectangle 3"/>
           <p:cNvSpPr>
             <a:spLocks noGrp="1" noChangeArrowheads="1"/>
           </p:cNvSpPr>
@@ -9403,77 +9637,39 @@
             <a:pPr eaLnBrk="1" hangingPunct="1"/>
             <a:r>
               <a:rPr lang="en-US" smtClean="0"/>
-              <a:t>Attach the ID of local field in LOCAL.REF.FIELD</a:t>
-            </a:r>
-          </a:p>
-        </p:txBody>
-      </p:sp>
-      <p:pic>
-        <p:nvPicPr>
-          <p:cNvPr id="46084" name="Picture 5"/>
-          <p:cNvPicPr>
-            <a:picLocks noChangeAspect="1" noChangeArrowheads="1"/>
-          </p:cNvPicPr>
-          <p:nvPr/>
-        </p:nvPicPr>
-        <p:blipFill>
-          <a:blip r:embed="rId2" cstate="print"/>
-          <a:srcRect/>
-          <a:stretch>
-            <a:fillRect/>
-          </a:stretch>
-        </p:blipFill>
-        <p:spPr bwMode="auto">
-          <a:xfrm>
-            <a:off x="2160588" y="2147888"/>
-            <a:ext cx="5000625" cy="3933825"/>
-          </a:xfrm>
-          <a:prstGeom prst="rect">
-            <a:avLst/>
-          </a:prstGeom>
-          <a:noFill/>
-          <a:ln w="19050">
-            <a:solidFill>
-              <a:srgbClr val="0000FF"/>
-            </a:solidFill>
-            <a:miter lim="800000"/>
-            <a:headEnd/>
-            <a:tailEnd/>
-          </a:ln>
-        </p:spPr>
-      </p:pic>
-      <p:pic>
-        <p:nvPicPr>
-          <p:cNvPr id="46085" name="Picture 5"/>
-          <p:cNvPicPr>
-            <a:picLocks noChangeAspect="1" noChangeArrowheads="1"/>
-          </p:cNvPicPr>
-          <p:nvPr/>
-        </p:nvPicPr>
-        <p:blipFill>
-          <a:blip r:embed="rId3" cstate="print"/>
-          <a:srcRect/>
-          <a:stretch>
-            <a:fillRect/>
-          </a:stretch>
-        </p:blipFill>
-        <p:spPr bwMode="auto">
-          <a:xfrm>
-            <a:off x="4838700" y="2719388"/>
-            <a:ext cx="1295400" cy="200025"/>
-          </a:xfrm>
-          <a:prstGeom prst="rect">
-            <a:avLst/>
-          </a:prstGeom>
-          <a:noFill/>
-          <a:ln w="9525">
-            <a:noFill/>
-            <a:miter lim="800000"/>
-            <a:headEnd/>
-            <a:tailEnd/>
-          </a:ln>
-        </p:spPr>
-      </p:pic>
+              <a:t>Decision - 'EQ', 'GE', 'GT', 'LE', 'LK', 'LT', 'NE', or 'UL'.</a:t>
+            </a:r>
+          </a:p>
+          <a:p>
+            <a:pPr eaLnBrk="1" hangingPunct="1"/>
+            <a:r>
+              <a:rPr lang="en-US" smtClean="0"/>
+              <a:t>Decision Fr / Decision To – Range of values can be specified</a:t>
+            </a:r>
+          </a:p>
+          <a:p>
+            <a:pPr eaLnBrk="1" hangingPunct="1"/>
+            <a:r>
+              <a:rPr lang="en-US" smtClean="0"/>
+              <a:t>Override Possible – Can input in the local field differ from the decision set</a:t>
+            </a:r>
+          </a:p>
+          <a:p>
+            <a:pPr eaLnBrk="1" hangingPunct="1"/>
+            <a:r>
+              <a:rPr lang="en-US" smtClean="0"/>
+              <a:t>Default Possible – If Y, value in vetting table is defaulted</a:t>
+            </a:r>
+          </a:p>
+          <a:p>
+            <a:pPr eaLnBrk="1" hangingPunct="1"/>
+            <a:r>
+              <a:rPr lang="en-US" smtClean="0"/>
+              <a:t>Noinput change Fld – Local field property can be set to no input or no change</a:t>
+            </a:r>
+          </a:p>
+        </p:txBody>
+      </p:sp>
     </p:spTree>
   </p:cSld>
   <p:clrMapOvr>
@@ -9511,7 +9707,7 @@
       </p:grpSpPr>
       <p:sp>
         <p:nvSpPr>
-          <p:cNvPr id="47106" name="Rectangle 2"/>
+          <p:cNvPr id="41986" name="Rectangle 2"/>
           <p:cNvSpPr>
             <a:spLocks noGrp="1" noChangeArrowheads="1"/>
           </p:cNvSpPr>
@@ -9527,14 +9723,14 @@
             <a:pPr eaLnBrk="1" hangingPunct="1"/>
             <a:r>
               <a:rPr lang="en-US" smtClean="0"/>
-              <a:t>Solution</a:t>
-            </a:r>
-          </a:p>
-        </p:txBody>
-      </p:sp>
-      <p:sp>
-        <p:nvSpPr>
-          <p:cNvPr id="47107" name="Rectangle 3"/>
+              <a:t>Important Fields</a:t>
+            </a:r>
+          </a:p>
+        </p:txBody>
+      </p:sp>
+      <p:sp>
+        <p:nvSpPr>
+          <p:cNvPr id="41987" name="Rectangle 3"/>
           <p:cNvSpPr>
             <a:spLocks noGrp="1" noChangeArrowheads="1"/>
           </p:cNvSpPr>
@@ -9555,143 +9751,18 @@
             <a:pPr eaLnBrk="1" hangingPunct="1"/>
             <a:r>
               <a:rPr lang="en-US" smtClean="0"/>
-              <a:t>Check the conditional default of newly created local reference field, on committing the record </a:t>
-            </a:r>
-          </a:p>
-        </p:txBody>
-      </p:sp>
-      <p:pic>
-        <p:nvPicPr>
-          <p:cNvPr id="47108" name="Picture 8"/>
-          <p:cNvPicPr>
-            <a:picLocks noChangeAspect="1" noChangeArrowheads="1"/>
-          </p:cNvPicPr>
-          <p:nvPr/>
-        </p:nvPicPr>
-        <p:blipFill>
-          <a:blip r:embed="rId2" cstate="print"/>
-          <a:srcRect/>
-          <a:stretch>
-            <a:fillRect/>
-          </a:stretch>
-        </p:blipFill>
-        <p:spPr bwMode="auto">
-          <a:xfrm>
-            <a:off x="1139825" y="2425700"/>
-            <a:ext cx="3686175" cy="3924300"/>
-          </a:xfrm>
-          <a:prstGeom prst="rect">
-            <a:avLst/>
-          </a:prstGeom>
-          <a:noFill/>
-          <a:ln w="19050">
-            <a:solidFill>
-              <a:srgbClr val="0000FF"/>
-            </a:solidFill>
-            <a:miter lim="800000"/>
-            <a:headEnd/>
-            <a:tailEnd/>
-          </a:ln>
-        </p:spPr>
-      </p:pic>
-      <p:pic>
-        <p:nvPicPr>
-          <p:cNvPr id="47109" name="Picture 9"/>
-          <p:cNvPicPr>
-            <a:picLocks noChangeAspect="1" noChangeArrowheads="1"/>
-          </p:cNvPicPr>
-          <p:nvPr/>
-        </p:nvPicPr>
-        <p:blipFill>
-          <a:blip r:embed="rId3" cstate="print"/>
-          <a:srcRect/>
-          <a:stretch>
-            <a:fillRect/>
-          </a:stretch>
-        </p:blipFill>
-        <p:spPr bwMode="auto">
-          <a:xfrm>
-            <a:off x="4887913" y="2408238"/>
-            <a:ext cx="3659187" cy="3941762"/>
-          </a:xfrm>
-          <a:prstGeom prst="rect">
-            <a:avLst/>
-          </a:prstGeom>
-          <a:noFill/>
-          <a:ln w="19050">
-            <a:solidFill>
-              <a:srgbClr val="0000FF"/>
-            </a:solidFill>
-            <a:miter lim="800000"/>
-            <a:headEnd/>
-            <a:tailEnd/>
-          </a:ln>
-        </p:spPr>
-      </p:pic>
-      <p:pic>
-        <p:nvPicPr>
-          <p:cNvPr id="47110" name="Picture 6"/>
-          <p:cNvPicPr>
-            <a:picLocks noChangeAspect="1" noChangeArrowheads="1"/>
-          </p:cNvPicPr>
-          <p:nvPr/>
-        </p:nvPicPr>
-        <p:blipFill>
-          <a:blip r:embed="rId4" cstate="print"/>
-          <a:srcRect/>
-          <a:stretch>
-            <a:fillRect/>
-          </a:stretch>
-        </p:blipFill>
-        <p:spPr bwMode="auto">
-          <a:xfrm>
-            <a:off x="2413000" y="2706688"/>
-            <a:ext cx="1295400" cy="100012"/>
-          </a:xfrm>
-          <a:prstGeom prst="rect">
-            <a:avLst/>
-          </a:prstGeom>
-          <a:noFill/>
-          <a:ln w="9525">
-            <a:noFill/>
-            <a:miter lim="800000"/>
-            <a:headEnd/>
-            <a:tailEnd/>
-          </a:ln>
-        </p:spPr>
-      </p:pic>
-      <p:pic>
-        <p:nvPicPr>
-          <p:cNvPr id="47111" name="Picture 6"/>
-          <p:cNvPicPr>
-            <a:picLocks noChangeAspect="1" noChangeArrowheads="1"/>
-          </p:cNvPicPr>
-          <p:nvPr/>
-        </p:nvPicPr>
-        <p:blipFill>
-          <a:blip r:embed="rId4" cstate="print"/>
-          <a:srcRect/>
-          <a:stretch>
-            <a:fillRect/>
-          </a:stretch>
-        </p:blipFill>
-        <p:spPr bwMode="auto">
-          <a:xfrm>
-            <a:off x="5892800" y="2846388"/>
-            <a:ext cx="1295400" cy="100012"/>
-          </a:xfrm>
-          <a:prstGeom prst="rect">
-            <a:avLst/>
-          </a:prstGeom>
-          <a:noFill/>
-          <a:ln w="9525">
-            <a:noFill/>
-            <a:miter lim="800000"/>
-            <a:headEnd/>
-            <a:tailEnd/>
-          </a:ln>
-        </p:spPr>
-      </p:pic>
+              <a:t>Application Vet – Application against the key of which the field is being validated</a:t>
+            </a:r>
+          </a:p>
+          <a:p>
+            <a:pPr eaLnBrk="1" hangingPunct="1"/>
+            <a:r>
+              <a:rPr lang="en-US" smtClean="0"/>
+              <a:t>Appl Enrichm Field – Which field in the application mentioned above is to be used as enrichment</a:t>
+            </a:r>
+          </a:p>
+        </p:txBody>
+      </p:sp>
     </p:spTree>
   </p:cSld>
   <p:clrMapOvr>
@@ -9729,7 +9800,7 @@
       </p:grpSpPr>
       <p:sp>
         <p:nvSpPr>
-          <p:cNvPr id="48130" name="Rectangle 2"/>
+          <p:cNvPr id="43010" name="Rectangle 2"/>
           <p:cNvSpPr>
             <a:spLocks noGrp="1" noChangeArrowheads="1"/>
           </p:cNvSpPr>
@@ -9745,14 +9816,14 @@
             <a:pPr eaLnBrk="1" hangingPunct="1"/>
             <a:r>
               <a:rPr lang="en-US" smtClean="0"/>
-              <a:t>Summary</a:t>
-            </a:r>
-          </a:p>
-        </p:txBody>
-      </p:sp>
-      <p:sp>
-        <p:nvSpPr>
-          <p:cNvPr id="48131" name="Rectangle 3"/>
+              <a:t>Example</a:t>
+            </a:r>
+          </a:p>
+        </p:txBody>
+      </p:sp>
+      <p:sp>
+        <p:nvSpPr>
+          <p:cNvPr id="43011" name="Rectangle 3"/>
           <p:cNvSpPr>
             <a:spLocks noGrp="1" noChangeArrowheads="1"/>
           </p:cNvSpPr>
@@ -9773,21 +9844,21 @@
             <a:pPr eaLnBrk="1" hangingPunct="1"/>
             <a:r>
               <a:rPr lang="en-US" smtClean="0"/>
-              <a:t>We have learnt how to </a:t>
-            </a:r>
-          </a:p>
-          <a:p>
-            <a:pPr lvl="1" eaLnBrk="1" hangingPunct="1"/>
-            <a:r>
-              <a:rPr lang="en-US" smtClean="0"/>
-              <a:t>Create a local reference field for T24 application – LOCAL.TABLE &amp; LOCAL.REF.TABLE applications</a:t>
-            </a:r>
-          </a:p>
-          <a:p>
-            <a:pPr lvl="1" eaLnBrk="1" hangingPunct="1"/>
-            <a:r>
-              <a:rPr lang="en-US" smtClean="0"/>
-              <a:t>Create a conditional local reference field for T24 application – LOCAL.TABLE application</a:t>
+              <a:t>Create a conditional local reference field ‘Valued Customer’ for Account application</a:t>
+            </a:r>
+          </a:p>
+          <a:p>
+            <a:pPr eaLnBrk="1" hangingPunct="1"/>
+            <a:r>
+              <a:rPr lang="en-US" smtClean="0"/>
+              <a:t>Wherein the field is updated with ‘Y’, when the conditions sector = 1000 and category = 1001 are satisfied</a:t>
+            </a:r>
+          </a:p>
+          <a:p>
+            <a:pPr eaLnBrk="1" hangingPunct="1"/>
+            <a:r>
+              <a:rPr lang="en-US" smtClean="0"/>
+              <a:t>The field is updated with ‘N’, when the conditions sector = 1000 and category = 1001 are not satisfied</a:t>
             </a:r>
           </a:p>
         </p:txBody>
@@ -9811,6 +9882,944 @@
 </file>
 
 <file path=ppt/slides/slide37.xml><?xml version="1.0" encoding="utf-8"?>
+<p:sld xmlns:a="http://schemas.openxmlformats.org/drawingml/2006/main" xmlns:r="http://schemas.openxmlformats.org/officeDocument/2006/relationships" xmlns:p="http://schemas.openxmlformats.org/presentationml/2006/main">
+  <p:cSld>
+    <p:spTree>
+      <p:nvGrpSpPr>
+        <p:cNvPr id="1" name=""/>
+        <p:cNvGrpSpPr/>
+        <p:nvPr/>
+      </p:nvGrpSpPr>
+      <p:grpSpPr>
+        <a:xfrm>
+          <a:off x="0" y="0"/>
+          <a:ext cx="0" cy="0"/>
+          <a:chOff x="0" y="0"/>
+          <a:chExt cx="0" cy="0"/>
+        </a:xfrm>
+      </p:grpSpPr>
+      <p:sp>
+        <p:nvSpPr>
+          <p:cNvPr id="44034" name="Rectangle 2"/>
+          <p:cNvSpPr>
+            <a:spLocks noGrp="1" noChangeArrowheads="1"/>
+          </p:cNvSpPr>
+          <p:nvPr>
+            <p:ph type="title"/>
+          </p:nvPr>
+        </p:nvSpPr>
+        <p:spPr/>
+        <p:txBody>
+          <a:bodyPr/>
+          <a:lstStyle/>
+          <a:p>
+            <a:pPr eaLnBrk="1" hangingPunct="1"/>
+            <a:r>
+              <a:rPr lang="en-US" smtClean="0"/>
+              <a:t>Solution</a:t>
+            </a:r>
+          </a:p>
+        </p:txBody>
+      </p:sp>
+      <p:sp>
+        <p:nvSpPr>
+          <p:cNvPr id="44035" name="Rectangle 3"/>
+          <p:cNvSpPr>
+            <a:spLocks noGrp="1" noChangeArrowheads="1"/>
+          </p:cNvSpPr>
+          <p:nvPr>
+            <p:ph type="body" idx="1"/>
+          </p:nvPr>
+        </p:nvSpPr>
+        <p:spPr>
+          <a:xfrm>
+            <a:off x="992188" y="1592263"/>
+            <a:ext cx="7874000" cy="4337050"/>
+          </a:xfrm>
+        </p:spPr>
+        <p:txBody>
+          <a:bodyPr/>
+          <a:lstStyle/>
+          <a:p>
+            <a:pPr eaLnBrk="1" hangingPunct="1"/>
+            <a:r>
+              <a:rPr lang="en-US" smtClean="0"/>
+              <a:t>Create a local field ‘Valued Customer’</a:t>
+            </a:r>
+          </a:p>
+          <a:p>
+            <a:pPr eaLnBrk="1" hangingPunct="1"/>
+            <a:r>
+              <a:rPr lang="en-US" smtClean="0"/>
+              <a:t>This local field is to be attached to Account application</a:t>
+            </a:r>
+          </a:p>
+          <a:p>
+            <a:pPr eaLnBrk="1" hangingPunct="1"/>
+            <a:r>
+              <a:rPr lang="en-US" smtClean="0"/>
+              <a:t>Customer field in Account is the link to Customer file from where Sector value is picked up and checked as the first condition</a:t>
+            </a:r>
+          </a:p>
+          <a:p>
+            <a:pPr eaLnBrk="1" hangingPunct="1"/>
+            <a:r>
+              <a:rPr lang="en-US" smtClean="0"/>
+              <a:t>The second condition is Category field in Account</a:t>
+            </a:r>
+          </a:p>
+          <a:p>
+            <a:pPr eaLnBrk="1" hangingPunct="1"/>
+            <a:endParaRPr lang="en-US" smtClean="0"/>
+          </a:p>
+        </p:txBody>
+      </p:sp>
+    </p:spTree>
+  </p:cSld>
+  <p:clrMapOvr>
+    <a:masterClrMapping/>
+  </p:clrMapOvr>
+  <p:transition>
+    <p:wipe dir="r"/>
+  </p:transition>
+  <p:timing>
+    <p:tnLst>
+      <p:par>
+        <p:cTn id="1" dur="indefinite" restart="never" nodeType="tmRoot"/>
+      </p:par>
+    </p:tnLst>
+  </p:timing>
+</p:sld>
+</file>
+
+<file path=ppt/slides/slide38.xml><?xml version="1.0" encoding="utf-8"?>
+<p:sld xmlns:a="http://schemas.openxmlformats.org/drawingml/2006/main" xmlns:r="http://schemas.openxmlformats.org/officeDocument/2006/relationships" xmlns:p="http://schemas.openxmlformats.org/presentationml/2006/main">
+  <p:cSld>
+    <p:spTree>
+      <p:nvGrpSpPr>
+        <p:cNvPr id="1" name=""/>
+        <p:cNvGrpSpPr/>
+        <p:nvPr/>
+      </p:nvGrpSpPr>
+      <p:grpSpPr>
+        <a:xfrm>
+          <a:off x="0" y="0"/>
+          <a:ext cx="0" cy="0"/>
+          <a:chOff x="0" y="0"/>
+          <a:chExt cx="0" cy="0"/>
+        </a:xfrm>
+      </p:grpSpPr>
+      <p:sp>
+        <p:nvSpPr>
+          <p:cNvPr id="45058" name="Rectangle 2"/>
+          <p:cNvSpPr>
+            <a:spLocks noGrp="1" noChangeArrowheads="1"/>
+          </p:cNvSpPr>
+          <p:nvPr>
+            <p:ph type="title"/>
+          </p:nvPr>
+        </p:nvSpPr>
+        <p:spPr/>
+        <p:txBody>
+          <a:bodyPr/>
+          <a:lstStyle/>
+          <a:p>
+            <a:pPr eaLnBrk="1" hangingPunct="1"/>
+            <a:r>
+              <a:rPr lang="en-US" smtClean="0"/>
+              <a:t>Solution</a:t>
+            </a:r>
+          </a:p>
+        </p:txBody>
+      </p:sp>
+      <p:sp>
+        <p:nvSpPr>
+          <p:cNvPr id="45059" name="Rectangle 3"/>
+          <p:cNvSpPr>
+            <a:spLocks noGrp="1" noChangeArrowheads="1"/>
+          </p:cNvSpPr>
+          <p:nvPr>
+            <p:ph type="body" idx="1"/>
+          </p:nvPr>
+        </p:nvSpPr>
+        <p:spPr>
+          <a:xfrm>
+            <a:off x="992188" y="1592263"/>
+            <a:ext cx="7874000" cy="4337050"/>
+          </a:xfrm>
+        </p:spPr>
+        <p:txBody>
+          <a:bodyPr/>
+          <a:lstStyle/>
+          <a:p>
+            <a:pPr eaLnBrk="1" hangingPunct="1"/>
+            <a:endParaRPr lang="en-US" smtClean="0"/>
+          </a:p>
+        </p:txBody>
+      </p:sp>
+      <p:pic>
+        <p:nvPicPr>
+          <p:cNvPr id="45060" name="Picture 6"/>
+          <p:cNvPicPr>
+            <a:picLocks noChangeAspect="1" noChangeArrowheads="1"/>
+          </p:cNvPicPr>
+          <p:nvPr/>
+        </p:nvPicPr>
+        <p:blipFill>
+          <a:blip r:embed="rId2" cstate="print"/>
+          <a:srcRect/>
+          <a:stretch>
+            <a:fillRect/>
+          </a:stretch>
+        </p:blipFill>
+        <p:spPr bwMode="auto">
+          <a:xfrm>
+            <a:off x="962025" y="1693863"/>
+            <a:ext cx="4016375" cy="3652837"/>
+          </a:xfrm>
+          <a:prstGeom prst="rect">
+            <a:avLst/>
+          </a:prstGeom>
+          <a:noFill/>
+          <a:ln w="19050">
+            <a:solidFill>
+              <a:srgbClr val="0000FF"/>
+            </a:solidFill>
+            <a:miter lim="800000"/>
+            <a:headEnd/>
+            <a:tailEnd/>
+          </a:ln>
+        </p:spPr>
+      </p:pic>
+      <p:pic>
+        <p:nvPicPr>
+          <p:cNvPr id="45061" name="Picture 7"/>
+          <p:cNvPicPr>
+            <a:picLocks noChangeAspect="1" noChangeArrowheads="1"/>
+          </p:cNvPicPr>
+          <p:nvPr/>
+        </p:nvPicPr>
+        <p:blipFill>
+          <a:blip r:embed="rId3" cstate="print"/>
+          <a:srcRect/>
+          <a:stretch>
+            <a:fillRect/>
+          </a:stretch>
+        </p:blipFill>
+        <p:spPr bwMode="auto">
+          <a:xfrm>
+            <a:off x="5072063" y="1684338"/>
+            <a:ext cx="3665537" cy="3662362"/>
+          </a:xfrm>
+          <a:prstGeom prst="rect">
+            <a:avLst/>
+          </a:prstGeom>
+          <a:noFill/>
+          <a:ln w="19050">
+            <a:solidFill>
+              <a:srgbClr val="0000FF"/>
+            </a:solidFill>
+            <a:miter lim="800000"/>
+            <a:headEnd/>
+            <a:tailEnd/>
+          </a:ln>
+        </p:spPr>
+      </p:pic>
+    </p:spTree>
+  </p:cSld>
+  <p:clrMapOvr>
+    <a:masterClrMapping/>
+  </p:clrMapOvr>
+  <p:transition>
+    <p:wipe dir="r"/>
+  </p:transition>
+  <p:timing>
+    <p:tnLst>
+      <p:par>
+        <p:cTn id="1" dur="indefinite" restart="never" nodeType="tmRoot"/>
+      </p:par>
+    </p:tnLst>
+  </p:timing>
+</p:sld>
+</file>
+
+<file path=ppt/slides/slide39.xml><?xml version="1.0" encoding="utf-8"?>
+<p:sld xmlns:a="http://schemas.openxmlformats.org/drawingml/2006/main" xmlns:r="http://schemas.openxmlformats.org/officeDocument/2006/relationships" xmlns:p="http://schemas.openxmlformats.org/presentationml/2006/main">
+  <p:cSld>
+    <p:spTree>
+      <p:nvGrpSpPr>
+        <p:cNvPr id="1" name=""/>
+        <p:cNvGrpSpPr/>
+        <p:nvPr/>
+      </p:nvGrpSpPr>
+      <p:grpSpPr>
+        <a:xfrm>
+          <a:off x="0" y="0"/>
+          <a:ext cx="0" cy="0"/>
+          <a:chOff x="0" y="0"/>
+          <a:chExt cx="0" cy="0"/>
+        </a:xfrm>
+      </p:grpSpPr>
+      <p:sp>
+        <p:nvSpPr>
+          <p:cNvPr id="46082" name="Rectangle 2"/>
+          <p:cNvSpPr>
+            <a:spLocks noGrp="1" noChangeArrowheads="1"/>
+          </p:cNvSpPr>
+          <p:nvPr>
+            <p:ph type="title"/>
+          </p:nvPr>
+        </p:nvSpPr>
+        <p:spPr/>
+        <p:txBody>
+          <a:bodyPr/>
+          <a:lstStyle/>
+          <a:p>
+            <a:pPr eaLnBrk="1" hangingPunct="1"/>
+            <a:r>
+              <a:rPr lang="en-US" smtClean="0"/>
+              <a:t>Solution</a:t>
+            </a:r>
+          </a:p>
+        </p:txBody>
+      </p:sp>
+      <p:sp>
+        <p:nvSpPr>
+          <p:cNvPr id="46083" name="Rectangle 3"/>
+          <p:cNvSpPr>
+            <a:spLocks noGrp="1" noChangeArrowheads="1"/>
+          </p:cNvSpPr>
+          <p:nvPr>
+            <p:ph type="body" idx="1"/>
+          </p:nvPr>
+        </p:nvSpPr>
+        <p:spPr>
+          <a:xfrm>
+            <a:off x="992188" y="1592263"/>
+            <a:ext cx="7874000" cy="4337050"/>
+          </a:xfrm>
+        </p:spPr>
+        <p:txBody>
+          <a:bodyPr/>
+          <a:lstStyle/>
+          <a:p>
+            <a:pPr eaLnBrk="1" hangingPunct="1"/>
+            <a:r>
+              <a:rPr lang="en-US" smtClean="0"/>
+              <a:t>Attach the ID of local field in LOCAL.REF.FIELD</a:t>
+            </a:r>
+          </a:p>
+        </p:txBody>
+      </p:sp>
+      <p:pic>
+        <p:nvPicPr>
+          <p:cNvPr id="46084" name="Picture 5"/>
+          <p:cNvPicPr>
+            <a:picLocks noChangeAspect="1" noChangeArrowheads="1"/>
+          </p:cNvPicPr>
+          <p:nvPr/>
+        </p:nvPicPr>
+        <p:blipFill>
+          <a:blip r:embed="rId2" cstate="print"/>
+          <a:srcRect/>
+          <a:stretch>
+            <a:fillRect/>
+          </a:stretch>
+        </p:blipFill>
+        <p:spPr bwMode="auto">
+          <a:xfrm>
+            <a:off x="2160588" y="2147888"/>
+            <a:ext cx="5000625" cy="3933825"/>
+          </a:xfrm>
+          <a:prstGeom prst="rect">
+            <a:avLst/>
+          </a:prstGeom>
+          <a:noFill/>
+          <a:ln w="19050">
+            <a:solidFill>
+              <a:srgbClr val="0000FF"/>
+            </a:solidFill>
+            <a:miter lim="800000"/>
+            <a:headEnd/>
+            <a:tailEnd/>
+          </a:ln>
+        </p:spPr>
+      </p:pic>
+      <p:pic>
+        <p:nvPicPr>
+          <p:cNvPr id="46085" name="Picture 5"/>
+          <p:cNvPicPr>
+            <a:picLocks noChangeAspect="1" noChangeArrowheads="1"/>
+          </p:cNvPicPr>
+          <p:nvPr/>
+        </p:nvPicPr>
+        <p:blipFill>
+          <a:blip r:embed="rId3" cstate="print"/>
+          <a:srcRect/>
+          <a:stretch>
+            <a:fillRect/>
+          </a:stretch>
+        </p:blipFill>
+        <p:spPr bwMode="auto">
+          <a:xfrm>
+            <a:off x="4838700" y="2719388"/>
+            <a:ext cx="1295400" cy="200025"/>
+          </a:xfrm>
+          <a:prstGeom prst="rect">
+            <a:avLst/>
+          </a:prstGeom>
+          <a:noFill/>
+          <a:ln w="9525">
+            <a:noFill/>
+            <a:miter lim="800000"/>
+            <a:headEnd/>
+            <a:tailEnd/>
+          </a:ln>
+        </p:spPr>
+      </p:pic>
+    </p:spTree>
+  </p:cSld>
+  <p:clrMapOvr>
+    <a:masterClrMapping/>
+  </p:clrMapOvr>
+  <p:transition>
+    <p:wipe dir="r"/>
+  </p:transition>
+  <p:timing>
+    <p:tnLst>
+      <p:par>
+        <p:cTn id="1" dur="indefinite" restart="never" nodeType="tmRoot"/>
+      </p:par>
+    </p:tnLst>
+  </p:timing>
+</p:sld>
+</file>
+
+<file path=ppt/slides/slide4.xml><?xml version="1.0" encoding="utf-8"?>
+<p:sld xmlns:a="http://schemas.openxmlformats.org/drawingml/2006/main" xmlns:r="http://schemas.openxmlformats.org/officeDocument/2006/relationships" xmlns:p="http://schemas.openxmlformats.org/presentationml/2006/main">
+  <p:cSld>
+    <p:spTree>
+      <p:nvGrpSpPr>
+        <p:cNvPr id="1" name=""/>
+        <p:cNvGrpSpPr/>
+        <p:nvPr/>
+      </p:nvGrpSpPr>
+      <p:grpSpPr>
+        <a:xfrm>
+          <a:off x="0" y="0"/>
+          <a:ext cx="0" cy="0"/>
+          <a:chOff x="0" y="0"/>
+          <a:chExt cx="0" cy="0"/>
+        </a:xfrm>
+      </p:grpSpPr>
+      <p:sp>
+        <p:nvSpPr>
+          <p:cNvPr id="10242" name="Rectangle 2"/>
+          <p:cNvSpPr>
+            <a:spLocks noGrp="1" noChangeArrowheads="1"/>
+          </p:cNvSpPr>
+          <p:nvPr>
+            <p:ph type="title" idx="4294967295"/>
+          </p:nvPr>
+        </p:nvSpPr>
+        <p:spPr>
+          <a:xfrm>
+            <a:off x="381000" y="2590800"/>
+            <a:ext cx="8229600" cy="1517650"/>
+          </a:xfrm>
+        </p:spPr>
+        <p:txBody>
+          <a:bodyPr/>
+          <a:lstStyle/>
+          <a:p>
+            <a:pPr eaLnBrk="1" hangingPunct="1">
+              <a:lnSpc>
+                <a:spcPct val="93000"/>
+              </a:lnSpc>
+              <a:tabLst>
+                <a:tab pos="0" algn="l"/>
+                <a:tab pos="914400" algn="l"/>
+                <a:tab pos="1828800" algn="l"/>
+                <a:tab pos="2743200" algn="l"/>
+                <a:tab pos="3657600" algn="l"/>
+                <a:tab pos="4572000" algn="l"/>
+                <a:tab pos="5486400" algn="l"/>
+                <a:tab pos="6400800" algn="l"/>
+                <a:tab pos="7315200" algn="l"/>
+                <a:tab pos="8229600" algn="l"/>
+                <a:tab pos="9144000" algn="l"/>
+                <a:tab pos="10058400" algn="l"/>
+              </a:tabLst>
+            </a:pPr>
+            <a:r>
+              <a:rPr lang="en-US" sz="2800" smtClean="0">
+                <a:solidFill>
+                  <a:schemeClr val="bg1"/>
+                </a:solidFill>
+              </a:rPr>
+              <a:t>Introduction to Local Reference Fields</a:t>
+            </a:r>
+          </a:p>
+        </p:txBody>
+      </p:sp>
+    </p:spTree>
+  </p:cSld>
+  <p:clrMapOvr>
+    <a:masterClrMapping/>
+  </p:clrMapOvr>
+  <p:transition>
+    <p:wipe dir="r"/>
+  </p:transition>
+  <p:timing>
+    <p:tnLst>
+      <p:par>
+        <p:cTn id="1" dur="indefinite" restart="never" nodeType="tmRoot"/>
+      </p:par>
+    </p:tnLst>
+  </p:timing>
+</p:sld>
+</file>
+
+<file path=ppt/slides/slide40.xml><?xml version="1.0" encoding="utf-8"?>
+<p:sld xmlns:a="http://schemas.openxmlformats.org/drawingml/2006/main" xmlns:r="http://schemas.openxmlformats.org/officeDocument/2006/relationships" xmlns:p="http://schemas.openxmlformats.org/presentationml/2006/main">
+  <p:cSld>
+    <p:spTree>
+      <p:nvGrpSpPr>
+        <p:cNvPr id="1" name=""/>
+        <p:cNvGrpSpPr/>
+        <p:nvPr/>
+      </p:nvGrpSpPr>
+      <p:grpSpPr>
+        <a:xfrm>
+          <a:off x="0" y="0"/>
+          <a:ext cx="0" cy="0"/>
+          <a:chOff x="0" y="0"/>
+          <a:chExt cx="0" cy="0"/>
+        </a:xfrm>
+      </p:grpSpPr>
+      <p:sp>
+        <p:nvSpPr>
+          <p:cNvPr id="47106" name="Rectangle 2"/>
+          <p:cNvSpPr>
+            <a:spLocks noGrp="1" noChangeArrowheads="1"/>
+          </p:cNvSpPr>
+          <p:nvPr>
+            <p:ph type="title"/>
+          </p:nvPr>
+        </p:nvSpPr>
+        <p:spPr/>
+        <p:txBody>
+          <a:bodyPr/>
+          <a:lstStyle/>
+          <a:p>
+            <a:pPr eaLnBrk="1" hangingPunct="1"/>
+            <a:r>
+              <a:rPr lang="en-US" smtClean="0"/>
+              <a:t>Solution</a:t>
+            </a:r>
+          </a:p>
+        </p:txBody>
+      </p:sp>
+      <p:sp>
+        <p:nvSpPr>
+          <p:cNvPr id="47107" name="Rectangle 3"/>
+          <p:cNvSpPr>
+            <a:spLocks noGrp="1" noChangeArrowheads="1"/>
+          </p:cNvSpPr>
+          <p:nvPr>
+            <p:ph type="body" idx="1"/>
+          </p:nvPr>
+        </p:nvSpPr>
+        <p:spPr>
+          <a:xfrm>
+            <a:off x="992188" y="1592263"/>
+            <a:ext cx="7874000" cy="4337050"/>
+          </a:xfrm>
+        </p:spPr>
+        <p:txBody>
+          <a:bodyPr/>
+          <a:lstStyle/>
+          <a:p>
+            <a:pPr eaLnBrk="1" hangingPunct="1"/>
+            <a:r>
+              <a:rPr lang="en-US" smtClean="0"/>
+              <a:t>Check the conditional default of newly created local reference field, on committing the record </a:t>
+            </a:r>
+          </a:p>
+        </p:txBody>
+      </p:sp>
+      <p:pic>
+        <p:nvPicPr>
+          <p:cNvPr id="47108" name="Picture 8"/>
+          <p:cNvPicPr>
+            <a:picLocks noChangeAspect="1" noChangeArrowheads="1"/>
+          </p:cNvPicPr>
+          <p:nvPr/>
+        </p:nvPicPr>
+        <p:blipFill>
+          <a:blip r:embed="rId2" cstate="print"/>
+          <a:srcRect/>
+          <a:stretch>
+            <a:fillRect/>
+          </a:stretch>
+        </p:blipFill>
+        <p:spPr bwMode="auto">
+          <a:xfrm>
+            <a:off x="1139825" y="2425700"/>
+            <a:ext cx="3686175" cy="3924300"/>
+          </a:xfrm>
+          <a:prstGeom prst="rect">
+            <a:avLst/>
+          </a:prstGeom>
+          <a:noFill/>
+          <a:ln w="19050">
+            <a:solidFill>
+              <a:srgbClr val="0000FF"/>
+            </a:solidFill>
+            <a:miter lim="800000"/>
+            <a:headEnd/>
+            <a:tailEnd/>
+          </a:ln>
+        </p:spPr>
+      </p:pic>
+      <p:pic>
+        <p:nvPicPr>
+          <p:cNvPr id="47109" name="Picture 9"/>
+          <p:cNvPicPr>
+            <a:picLocks noChangeAspect="1" noChangeArrowheads="1"/>
+          </p:cNvPicPr>
+          <p:nvPr/>
+        </p:nvPicPr>
+        <p:blipFill>
+          <a:blip r:embed="rId3" cstate="print"/>
+          <a:srcRect/>
+          <a:stretch>
+            <a:fillRect/>
+          </a:stretch>
+        </p:blipFill>
+        <p:spPr bwMode="auto">
+          <a:xfrm>
+            <a:off x="4887913" y="2408238"/>
+            <a:ext cx="3659187" cy="3941762"/>
+          </a:xfrm>
+          <a:prstGeom prst="rect">
+            <a:avLst/>
+          </a:prstGeom>
+          <a:noFill/>
+          <a:ln w="19050">
+            <a:solidFill>
+              <a:srgbClr val="0000FF"/>
+            </a:solidFill>
+            <a:miter lim="800000"/>
+            <a:headEnd/>
+            <a:tailEnd/>
+          </a:ln>
+        </p:spPr>
+      </p:pic>
+      <p:pic>
+        <p:nvPicPr>
+          <p:cNvPr id="47110" name="Picture 6"/>
+          <p:cNvPicPr>
+            <a:picLocks noChangeAspect="1" noChangeArrowheads="1"/>
+          </p:cNvPicPr>
+          <p:nvPr/>
+        </p:nvPicPr>
+        <p:blipFill>
+          <a:blip r:embed="rId4" cstate="print"/>
+          <a:srcRect/>
+          <a:stretch>
+            <a:fillRect/>
+          </a:stretch>
+        </p:blipFill>
+        <p:spPr bwMode="auto">
+          <a:xfrm>
+            <a:off x="2413000" y="2706688"/>
+            <a:ext cx="1295400" cy="100012"/>
+          </a:xfrm>
+          <a:prstGeom prst="rect">
+            <a:avLst/>
+          </a:prstGeom>
+          <a:noFill/>
+          <a:ln w="9525">
+            <a:noFill/>
+            <a:miter lim="800000"/>
+            <a:headEnd/>
+            <a:tailEnd/>
+          </a:ln>
+        </p:spPr>
+      </p:pic>
+      <p:pic>
+        <p:nvPicPr>
+          <p:cNvPr id="47111" name="Picture 6"/>
+          <p:cNvPicPr>
+            <a:picLocks noChangeAspect="1" noChangeArrowheads="1"/>
+          </p:cNvPicPr>
+          <p:nvPr/>
+        </p:nvPicPr>
+        <p:blipFill>
+          <a:blip r:embed="rId4" cstate="print"/>
+          <a:srcRect/>
+          <a:stretch>
+            <a:fillRect/>
+          </a:stretch>
+        </p:blipFill>
+        <p:spPr bwMode="auto">
+          <a:xfrm>
+            <a:off x="5892800" y="2846388"/>
+            <a:ext cx="1295400" cy="100012"/>
+          </a:xfrm>
+          <a:prstGeom prst="rect">
+            <a:avLst/>
+          </a:prstGeom>
+          <a:noFill/>
+          <a:ln w="9525">
+            <a:noFill/>
+            <a:miter lim="800000"/>
+            <a:headEnd/>
+            <a:tailEnd/>
+          </a:ln>
+        </p:spPr>
+      </p:pic>
+    </p:spTree>
+  </p:cSld>
+  <p:clrMapOvr>
+    <a:masterClrMapping/>
+  </p:clrMapOvr>
+  <p:transition>
+    <p:wipe dir="r"/>
+  </p:transition>
+  <p:timing>
+    <p:tnLst>
+      <p:par>
+        <p:cTn id="1" dur="indefinite" restart="never" nodeType="tmRoot"/>
+      </p:par>
+    </p:tnLst>
+  </p:timing>
+</p:sld>
+</file>
+
+<file path=ppt/slides/slide41.xml><?xml version="1.0" encoding="utf-8"?>
+<p:sld xmlns:a="http://schemas.openxmlformats.org/drawingml/2006/main" xmlns:r="http://schemas.openxmlformats.org/officeDocument/2006/relationships" xmlns:p="http://schemas.openxmlformats.org/presentationml/2006/main">
+  <p:cSld>
+    <p:spTree>
+      <p:nvGrpSpPr>
+        <p:cNvPr id="1" name=""/>
+        <p:cNvGrpSpPr/>
+        <p:nvPr/>
+      </p:nvGrpSpPr>
+      <p:grpSpPr>
+        <a:xfrm>
+          <a:off x="0" y="0"/>
+          <a:ext cx="0" cy="0"/>
+          <a:chOff x="0" y="0"/>
+          <a:chExt cx="0" cy="0"/>
+        </a:xfrm>
+      </p:grpSpPr>
+      <p:sp>
+        <p:nvSpPr>
+          <p:cNvPr id="48130" name="Rectangle 2"/>
+          <p:cNvSpPr>
+            <a:spLocks noGrp="1" noChangeArrowheads="1"/>
+          </p:cNvSpPr>
+          <p:nvPr>
+            <p:ph type="title"/>
+          </p:nvPr>
+        </p:nvSpPr>
+        <p:spPr/>
+        <p:txBody>
+          <a:bodyPr/>
+          <a:lstStyle/>
+          <a:p>
+            <a:pPr eaLnBrk="1" hangingPunct="1"/>
+            <a:r>
+              <a:rPr lang="en-US" smtClean="0"/>
+              <a:t>Summary</a:t>
+            </a:r>
+          </a:p>
+        </p:txBody>
+      </p:sp>
+      <p:sp>
+        <p:nvSpPr>
+          <p:cNvPr id="48131" name="Rectangle 3"/>
+          <p:cNvSpPr>
+            <a:spLocks noGrp="1" noChangeArrowheads="1"/>
+          </p:cNvSpPr>
+          <p:nvPr>
+            <p:ph type="body" idx="1"/>
+          </p:nvPr>
+        </p:nvSpPr>
+        <p:spPr>
+          <a:xfrm>
+            <a:off x="992188" y="1592263"/>
+            <a:ext cx="7874000" cy="4337050"/>
+          </a:xfrm>
+        </p:spPr>
+        <p:txBody>
+          <a:bodyPr/>
+          <a:lstStyle/>
+          <a:p>
+            <a:pPr eaLnBrk="1" hangingPunct="1"/>
+            <a:r>
+              <a:rPr lang="en-US" smtClean="0"/>
+              <a:t>We have learnt how to </a:t>
+            </a:r>
+          </a:p>
+          <a:p>
+            <a:pPr lvl="1" eaLnBrk="1" hangingPunct="1"/>
+            <a:r>
+              <a:rPr lang="en-US" smtClean="0"/>
+              <a:t>Create a local reference field for T24 application – LOCAL.TABLE &amp; LOCAL.REF.TABLE applications</a:t>
+            </a:r>
+          </a:p>
+          <a:p>
+            <a:pPr lvl="1" eaLnBrk="1" hangingPunct="1"/>
+            <a:r>
+              <a:rPr lang="en-US" smtClean="0"/>
+              <a:t>Create a conditional local reference field for T24 application – LOCAL.TABLE application</a:t>
+            </a:r>
+          </a:p>
+        </p:txBody>
+      </p:sp>
+    </p:spTree>
+  </p:cSld>
+  <p:clrMapOvr>
+    <a:masterClrMapping/>
+  </p:clrMapOvr>
+  <p:transition>
+    <p:wipe dir="r"/>
+  </p:transition>
+  <p:timing>
+    <p:tnLst>
+      <p:par>
+        <p:cTn id="1" dur="indefinite" restart="never" nodeType="tmRoot"/>
+      </p:par>
+    </p:tnLst>
+  </p:timing>
+</p:sld>
+</file>
+
+<file path=ppt/slides/slide42.xml><?xml version="1.0" encoding="utf-8"?>
+<p:sld xmlns:a="http://schemas.openxmlformats.org/drawingml/2006/main" xmlns:r="http://schemas.openxmlformats.org/officeDocument/2006/relationships" xmlns:p="http://schemas.openxmlformats.org/presentationml/2006/main">
+  <p:cSld>
+    <p:spTree>
+      <p:nvGrpSpPr>
+        <p:cNvPr id="1" name=""/>
+        <p:cNvGrpSpPr/>
+        <p:nvPr/>
+      </p:nvGrpSpPr>
+      <p:grpSpPr>
+        <a:xfrm>
+          <a:off x="0" y="0"/>
+          <a:ext cx="0" cy="0"/>
+          <a:chOff x="0" y="0"/>
+          <a:chExt cx="0" cy="0"/>
+        </a:xfrm>
+      </p:grpSpPr>
+      <p:sp>
+        <p:nvSpPr>
+          <p:cNvPr id="2" name="Title 1"/>
+          <p:cNvSpPr>
+            <a:spLocks noGrp="1"/>
+          </p:cNvSpPr>
+          <p:nvPr>
+            <p:ph type="title"/>
+          </p:nvPr>
+        </p:nvSpPr>
+        <p:spPr/>
+        <p:txBody>
+          <a:bodyPr/>
+          <a:lstStyle/>
+          <a:p>
+            <a:endParaRPr lang="en-US"/>
+          </a:p>
+        </p:txBody>
+      </p:sp>
+      <p:sp>
+        <p:nvSpPr>
+          <p:cNvPr id="3" name="Content Placeholder 2"/>
+          <p:cNvSpPr>
+            <a:spLocks noGrp="1"/>
+          </p:cNvSpPr>
+          <p:nvPr>
+            <p:ph idx="1"/>
+          </p:nvPr>
+        </p:nvSpPr>
+        <p:spPr/>
+        <p:txBody>
+          <a:bodyPr/>
+          <a:lstStyle/>
+          <a:p>
+            <a:endParaRPr lang="en-US"/>
+          </a:p>
+        </p:txBody>
+      </p:sp>
+      <p:sp>
+        <p:nvSpPr>
+          <p:cNvPr id="4" name="Date Placeholder 3"/>
+          <p:cNvSpPr>
+            <a:spLocks noGrp="1"/>
+          </p:cNvSpPr>
+          <p:nvPr>
+            <p:ph type="dt" sz="half" idx="10"/>
+          </p:nvPr>
+        </p:nvSpPr>
+        <p:spPr/>
+        <p:txBody>
+          <a:bodyPr/>
+          <a:lstStyle/>
+          <a:p>
+            <a:pPr>
+              <a:defRPr/>
+            </a:pPr>
+            <a:r>
+              <a:rPr lang="fr-FR" smtClean="0"/>
+              <a:t>© 2010 Capgemini - All rights reserved</a:t>
+            </a:r>
+            <a:endParaRPr lang="en-US" dirty="0"/>
+          </a:p>
+        </p:txBody>
+      </p:sp>
+      <p:sp>
+        <p:nvSpPr>
+          <p:cNvPr id="5" name="Slide Number Placeholder 4"/>
+          <p:cNvSpPr>
+            <a:spLocks noGrp="1"/>
+          </p:cNvSpPr>
+          <p:nvPr>
+            <p:ph type="sldNum" sz="quarter" idx="11"/>
+          </p:nvPr>
+        </p:nvSpPr>
+        <p:spPr/>
+        <p:txBody>
+          <a:bodyPr/>
+          <a:lstStyle/>
+          <a:p>
+            <a:pPr>
+              <a:defRPr/>
+            </a:pPr>
+            <a:fld id="{AE72FC40-BA65-4A86-8DAC-7CB69408270E}" type="slidenum">
+              <a:rPr lang="en-US" smtClean="0"/>
+              <a:pPr>
+                <a:defRPr/>
+              </a:pPr>
+              <a:t>41</a:t>
+            </a:fld>
+            <a:endParaRPr lang="en-US"/>
+          </a:p>
+        </p:txBody>
+      </p:sp>
+    </p:spTree>
+  </p:cSld>
+  <p:clrMapOvr>
+    <a:masterClrMapping/>
+  </p:clrMapOvr>
+  <p:transition>
+    <p:wipe dir="r"/>
+  </p:transition>
+</p:sld>
+</file>
+
+<file path=ppt/slides/slide43.xml><?xml version="1.0" encoding="utf-8"?>
 <p:sld xmlns:a="http://schemas.openxmlformats.org/drawingml/2006/main" xmlns:r="http://schemas.openxmlformats.org/officeDocument/2006/relationships" xmlns:p="http://schemas.openxmlformats.org/presentationml/2006/main">
   <p:cSld>
     <p:spTree>
@@ -10623,106 +11632,6 @@
 </p:sld>
 </file>
 
-<file path=ppt/slides/slide4.xml><?xml version="1.0" encoding="utf-8"?>
-<p:sld xmlns:a="http://schemas.openxmlformats.org/drawingml/2006/main" xmlns:r="http://schemas.openxmlformats.org/officeDocument/2006/relationships" xmlns:p="http://schemas.openxmlformats.org/presentationml/2006/main">
-  <p:cSld>
-    <p:spTree>
-      <p:nvGrpSpPr>
-        <p:cNvPr id="1" name=""/>
-        <p:cNvGrpSpPr/>
-        <p:nvPr/>
-      </p:nvGrpSpPr>
-      <p:grpSpPr>
-        <a:xfrm>
-          <a:off x="0" y="0"/>
-          <a:ext cx="0" cy="0"/>
-          <a:chOff x="0" y="0"/>
-          <a:chExt cx="0" cy="0"/>
-        </a:xfrm>
-      </p:grpSpPr>
-      <p:sp>
-        <p:nvSpPr>
-          <p:cNvPr id="11266" name="Rectangle 2"/>
-          <p:cNvSpPr>
-            <a:spLocks noGrp="1" noChangeArrowheads="1"/>
-          </p:cNvSpPr>
-          <p:nvPr>
-            <p:ph type="title"/>
-          </p:nvPr>
-        </p:nvSpPr>
-        <p:spPr/>
-        <p:txBody>
-          <a:bodyPr/>
-          <a:lstStyle/>
-          <a:p>
-            <a:pPr eaLnBrk="1" hangingPunct="1"/>
-            <a:r>
-              <a:rPr lang="en-US" smtClean="0"/>
-              <a:t>Why Local Reference Fields?</a:t>
-            </a:r>
-          </a:p>
-        </p:txBody>
-      </p:sp>
-      <p:sp>
-        <p:nvSpPr>
-          <p:cNvPr id="11267" name="Rectangle 3"/>
-          <p:cNvSpPr>
-            <a:spLocks noGrp="1" noChangeArrowheads="1"/>
-          </p:cNvSpPr>
-          <p:nvPr>
-            <p:ph type="body" idx="1"/>
-          </p:nvPr>
-        </p:nvSpPr>
-        <p:spPr>
-          <a:xfrm>
-            <a:off x="992188" y="1592263"/>
-            <a:ext cx="7874000" cy="4337050"/>
-          </a:xfrm>
-        </p:spPr>
-        <p:txBody>
-          <a:bodyPr/>
-          <a:lstStyle/>
-          <a:p>
-            <a:pPr eaLnBrk="1" hangingPunct="1"/>
-            <a:r>
-              <a:rPr lang="en-US" smtClean="0"/>
-              <a:t>Not all fields required by a bank are available in a T24 application</a:t>
-            </a:r>
-          </a:p>
-          <a:p>
-            <a:pPr eaLnBrk="1" hangingPunct="1"/>
-            <a:r>
-              <a:rPr lang="en-US" smtClean="0"/>
-              <a:t>Local Reference Field are User defined &amp; totally customizable</a:t>
-            </a:r>
-          </a:p>
-          <a:p>
-            <a:pPr eaLnBrk="1" hangingPunct="1"/>
-            <a:r>
-              <a:rPr lang="en-US" smtClean="0"/>
-              <a:t>Once created, can be reused in various applications</a:t>
-            </a:r>
-          </a:p>
-        </p:txBody>
-      </p:sp>
-    </p:spTree>
-  </p:cSld>
-  <p:clrMapOvr>
-    <a:masterClrMapping/>
-  </p:clrMapOvr>
-  <p:transition>
-    <p:wipe dir="r"/>
-  </p:transition>
-  <p:timing>
-    <p:tnLst>
-      <p:par>
-        <p:cTn id="1" dur="indefinite" restart="never" nodeType="tmRoot"/>
-      </p:par>
-    </p:tnLst>
-  </p:timing>
-</p:sld>
-</file>
-
 <file path=ppt/slides/slide5.xml><?xml version="1.0" encoding="utf-8"?>
 <p:sld xmlns:a="http://schemas.openxmlformats.org/drawingml/2006/main" xmlns:r="http://schemas.openxmlformats.org/officeDocument/2006/relationships" xmlns:p="http://schemas.openxmlformats.org/presentationml/2006/main">
   <p:cSld>
@@ -10742,7 +11651,7 @@
       </p:grpSpPr>
       <p:sp>
         <p:nvSpPr>
-          <p:cNvPr id="12290" name="Rectangle 2"/>
+          <p:cNvPr id="11266" name="Rectangle 2"/>
           <p:cNvSpPr>
             <a:spLocks noGrp="1" noChangeArrowheads="1"/>
           </p:cNvSpPr>
@@ -10758,14 +11667,14 @@
             <a:pPr eaLnBrk="1" hangingPunct="1"/>
             <a:r>
               <a:rPr lang="en-US" smtClean="0"/>
-              <a:t>How to Create Local Reference Field?</a:t>
-            </a:r>
-          </a:p>
-        </p:txBody>
-      </p:sp>
-      <p:sp>
-        <p:nvSpPr>
-          <p:cNvPr id="12291" name="Rectangle 3"/>
+              <a:t>Why Local Reference Fields?</a:t>
+            </a:r>
+          </a:p>
+        </p:txBody>
+      </p:sp>
+      <p:sp>
+        <p:nvSpPr>
+          <p:cNvPr id="11267" name="Rectangle 3"/>
           <p:cNvSpPr>
             <a:spLocks noGrp="1" noChangeArrowheads="1"/>
           </p:cNvSpPr>
@@ -10786,14 +11695,21 @@
             <a:pPr eaLnBrk="1" hangingPunct="1"/>
             <a:r>
               <a:rPr lang="en-US" smtClean="0"/>
-              <a:t>LOCAL.TABLE – To create field and assign properties</a:t>
+              <a:t>Not all fields required by a bank are available in a T24 application</a:t>
             </a:r>
           </a:p>
           <a:p>
             <a:pPr eaLnBrk="1" hangingPunct="1"/>
             <a:r>
               <a:rPr lang="en-US" smtClean="0"/>
-              <a:t>LOCAL.REF.TABLE – To attach created field to application</a:t>
+              <a:t>Local Reference Field are User defined &amp; totally customizable</a:t>
+            </a:r>
+          </a:p>
+          <a:p>
+            <a:pPr eaLnBrk="1" hangingPunct="1"/>
+            <a:r>
+              <a:rPr lang="en-US" smtClean="0"/>
+              <a:t>Once created, can be reused in various applications</a:t>
             </a:r>
           </a:p>
         </p:txBody>
@@ -10835,7 +11751,7 @@
       </p:grpSpPr>
       <p:sp>
         <p:nvSpPr>
-          <p:cNvPr id="14338" name="Rectangle 2"/>
+          <p:cNvPr id="12290" name="Rectangle 2"/>
           <p:cNvSpPr>
             <a:spLocks noGrp="1" noChangeArrowheads="1"/>
           </p:cNvSpPr>
@@ -10851,14 +11767,14 @@
             <a:pPr eaLnBrk="1" hangingPunct="1"/>
             <a:r>
               <a:rPr lang="en-US" smtClean="0"/>
-              <a:t>Important Fields</a:t>
-            </a:r>
-          </a:p>
-        </p:txBody>
-      </p:sp>
-      <p:sp>
-        <p:nvSpPr>
-          <p:cNvPr id="14339" name="Rectangle 3"/>
+              <a:t>How to Create Local Reference Field?</a:t>
+            </a:r>
+          </a:p>
+        </p:txBody>
+      </p:sp>
+      <p:sp>
+        <p:nvSpPr>
+          <p:cNvPr id="12291" name="Rectangle 3"/>
           <p:cNvSpPr>
             <a:spLocks noGrp="1" noChangeArrowheads="1"/>
           </p:cNvSpPr>
@@ -10879,28 +11795,14 @@
             <a:pPr eaLnBrk="1" hangingPunct="1"/>
             <a:r>
               <a:rPr lang="en-US" smtClean="0"/>
-              <a:t>ID is alphanumeric</a:t>
+              <a:t>LOCAL.TABLE – To create field and assign properties</a:t>
             </a:r>
           </a:p>
           <a:p>
             <a:pPr eaLnBrk="1" hangingPunct="1"/>
             <a:r>
               <a:rPr lang="en-US" smtClean="0"/>
-              <a:t>Description – Holds a description of the field</a:t>
-            </a:r>
-          </a:p>
-          <a:p>
-            <a:pPr eaLnBrk="1" hangingPunct="1"/>
-            <a:r>
-              <a:rPr lang="en-US" smtClean="0"/>
-              <a:t>Short Name – Name that is displayed for that field</a:t>
-            </a:r>
-          </a:p>
-          <a:p>
-            <a:pPr eaLnBrk="1" hangingPunct="1"/>
-            <a:r>
-              <a:rPr lang="en-US" smtClean="0"/>
-              <a:t>Maximum Char – Maximum number of characters that the field can hold</a:t>
+              <a:t>LOCAL.REF.TABLE – To attach created field to application</a:t>
             </a:r>
           </a:p>
         </p:txBody>
@@ -10942,77 +11844,51 @@
       </p:grpSpPr>
       <p:sp>
         <p:nvSpPr>
-          <p:cNvPr id="15362" name="Rectangle 2"/>
+          <p:cNvPr id="13314" name="Rectangle 2"/>
           <p:cNvSpPr>
             <a:spLocks noGrp="1" noChangeArrowheads="1"/>
           </p:cNvSpPr>
           <p:nvPr>
-            <p:ph type="title"/>
-          </p:nvPr>
-        </p:nvSpPr>
-        <p:spPr/>
+            <p:ph type="title" idx="4294967295"/>
+          </p:nvPr>
+        </p:nvSpPr>
+        <p:spPr>
+          <a:xfrm>
+            <a:off x="381000" y="2590800"/>
+            <a:ext cx="8229600" cy="1517650"/>
+          </a:xfrm>
+        </p:spPr>
         <p:txBody>
           <a:bodyPr/>
           <a:lstStyle/>
           <a:p>
-            <a:pPr eaLnBrk="1" hangingPunct="1"/>
-            <a:r>
-              <a:rPr lang="en-US" smtClean="0"/>
-              <a:t>Important Fields</a:t>
-            </a:r>
-          </a:p>
-        </p:txBody>
-      </p:sp>
-      <p:sp>
-        <p:nvSpPr>
-          <p:cNvPr id="15363" name="Rectangle 3"/>
-          <p:cNvSpPr>
-            <a:spLocks noGrp="1" noChangeArrowheads="1"/>
-          </p:cNvSpPr>
-          <p:nvPr>
-            <p:ph type="body" idx="1"/>
-          </p:nvPr>
-        </p:nvSpPr>
-        <p:spPr>
-          <a:xfrm>
-            <a:off x="992188" y="1592263"/>
-            <a:ext cx="7874000" cy="4337050"/>
-          </a:xfrm>
-        </p:spPr>
-        <p:txBody>
-          <a:bodyPr/>
-          <a:lstStyle/>
-          <a:p>
-            <a:pPr eaLnBrk="1" hangingPunct="1"/>
-            <a:r>
-              <a:rPr lang="en-US" smtClean="0"/>
-              <a:t>Minimum Char – If entered, the field becomes a mandatory field in the application</a:t>
-            </a:r>
-          </a:p>
-          <a:p>
-            <a:pPr eaLnBrk="1" hangingPunct="1"/>
-            <a:r>
-              <a:rPr lang="en-US" smtClean="0"/>
-              <a:t>Char Type – Type of data that can be input in this field</a:t>
-            </a:r>
-          </a:p>
-          <a:p>
-            <a:pPr eaLnBrk="1" hangingPunct="1"/>
-            <a:r>
-              <a:rPr lang="en-US" smtClean="0"/>
-              <a:t>Vetting Table – List of predefined values the field can hold</a:t>
-            </a:r>
-          </a:p>
-          <a:p>
-            <a:pPr eaLnBrk="1" hangingPunct="1"/>
-            <a:r>
-              <a:rPr lang="en-US" smtClean="0"/>
-              <a:t>Remark – Enrichment for items in the vetting table</a:t>
-            </a:r>
-          </a:p>
-          <a:p>
-            <a:pPr eaLnBrk="1" hangingPunct="1"/>
-            <a:endParaRPr lang="en-US" smtClean="0"/>
+            <a:pPr eaLnBrk="1" hangingPunct="1">
+              <a:lnSpc>
+                <a:spcPct val="93000"/>
+              </a:lnSpc>
+              <a:tabLst>
+                <a:tab pos="0" algn="l"/>
+                <a:tab pos="914400" algn="l"/>
+                <a:tab pos="1828800" algn="l"/>
+                <a:tab pos="2743200" algn="l"/>
+                <a:tab pos="3657600" algn="l"/>
+                <a:tab pos="4572000" algn="l"/>
+                <a:tab pos="5486400" algn="l"/>
+                <a:tab pos="6400800" algn="l"/>
+                <a:tab pos="7315200" algn="l"/>
+                <a:tab pos="8229600" algn="l"/>
+                <a:tab pos="9144000" algn="l"/>
+                <a:tab pos="10058400" algn="l"/>
+              </a:tabLst>
+            </a:pPr>
+            <a:r>
+              <a:rPr lang="en-US" sz="2800" smtClean="0">
+                <a:solidFill>
+                  <a:schemeClr val="bg1"/>
+                </a:solidFill>
+              </a:rPr>
+              <a:t>LOCAL.TABLE</a:t>
+            </a:r>
           </a:p>
         </p:txBody>
       </p:sp>
@@ -11053,7 +11929,7 @@
       </p:grpSpPr>
       <p:sp>
         <p:nvSpPr>
-          <p:cNvPr id="16386" name="Rectangle 2"/>
+          <p:cNvPr id="14338" name="Rectangle 2"/>
           <p:cNvSpPr>
             <a:spLocks noGrp="1" noChangeArrowheads="1"/>
           </p:cNvSpPr>
@@ -11069,14 +11945,14 @@
             <a:pPr eaLnBrk="1" hangingPunct="1"/>
             <a:r>
               <a:rPr lang="en-US" smtClean="0"/>
-              <a:t>LOCAL.TABLE</a:t>
-            </a:r>
-          </a:p>
-        </p:txBody>
-      </p:sp>
-      <p:sp>
-        <p:nvSpPr>
-          <p:cNvPr id="16387" name="Rectangle 3"/>
+              <a:t>Important Fields</a:t>
+            </a:r>
+          </a:p>
+        </p:txBody>
+      </p:sp>
+      <p:sp>
+        <p:nvSpPr>
+          <p:cNvPr id="14339" name="Rectangle 3"/>
           <p:cNvSpPr>
             <a:spLocks noGrp="1" noChangeArrowheads="1"/>
           </p:cNvSpPr>
@@ -11095,44 +11971,34 @@
           <a:lstStyle/>
           <a:p>
             <a:pPr eaLnBrk="1" hangingPunct="1"/>
-            <a:endParaRPr lang="en-US" smtClean="0"/>
-          </a:p>
-        </p:txBody>
-      </p:sp>
-      <p:pic>
-        <p:nvPicPr>
-          <p:cNvPr id="16388" name="Picture 5"/>
-          <p:cNvPicPr>
-            <a:picLocks noChangeAspect="1" noChangeArrowheads="1"/>
-          </p:cNvPicPr>
-          <p:nvPr/>
-        </p:nvPicPr>
-        <p:blipFill>
-          <a:blip r:embed="rId3" cstate="print"/>
-          <a:srcRect/>
-          <a:stretch>
-            <a:fillRect/>
-          </a:stretch>
-        </p:blipFill>
-        <p:spPr bwMode="auto">
-          <a:xfrm>
-            <a:off x="2152650" y="1460500"/>
-            <a:ext cx="4565650" cy="4837113"/>
-          </a:xfrm>
-          <a:prstGeom prst="rect">
-            <a:avLst/>
-          </a:prstGeom>
-          <a:noFill/>
-          <a:ln w="19050">
-            <a:solidFill>
-              <a:srgbClr val="0000FF"/>
-            </a:solidFill>
-            <a:miter lim="800000"/>
-            <a:headEnd/>
-            <a:tailEnd/>
-          </a:ln>
-        </p:spPr>
-      </p:pic>
+            <a:r>
+              <a:rPr lang="en-US" smtClean="0"/>
+              <a:t>ID is alphanumeric</a:t>
+            </a:r>
+          </a:p>
+          <a:p>
+            <a:pPr eaLnBrk="1" hangingPunct="1"/>
+            <a:r>
+              <a:rPr lang="en-US" smtClean="0"/>
+              <a:t>Description – Holds a description of the field</a:t>
+            </a:r>
+          </a:p>
+          <a:p>
+            <a:pPr eaLnBrk="1" hangingPunct="1"/>
+            <a:r>
+              <a:rPr lang="en-US" smtClean="0"/>
+              <a:t>Short Name – Name that is displayed for that field</a:t>
+            </a:r>
+          </a:p>
+          <a:p>
+            <a:pPr eaLnBrk="1" hangingPunct="1"/>
+            <a:r>
+              <a:rPr lang="en-US" smtClean="0"/>
+              <a:t>Maximum Char – Maximum number of characters that the field can hold</a:t>
+            </a:r>
+          </a:p>
+        </p:txBody>
+      </p:sp>
     </p:spTree>
   </p:cSld>
   <p:clrMapOvr>
@@ -11170,7 +12036,7 @@
       </p:grpSpPr>
       <p:sp>
         <p:nvSpPr>
-          <p:cNvPr id="17410" name="Rectangle 2"/>
+          <p:cNvPr id="15362" name="Rectangle 2"/>
           <p:cNvSpPr>
             <a:spLocks noGrp="1" noChangeArrowheads="1"/>
           </p:cNvSpPr>
@@ -11186,14 +12052,14 @@
             <a:pPr eaLnBrk="1" hangingPunct="1"/>
             <a:r>
               <a:rPr lang="en-US" smtClean="0"/>
-              <a:t>Local Reference Creation</a:t>
-            </a:r>
-          </a:p>
-        </p:txBody>
-      </p:sp>
-      <p:sp>
-        <p:nvSpPr>
-          <p:cNvPr id="17411" name="Rectangle 3"/>
+              <a:t>Important Fields</a:t>
+            </a:r>
+          </a:p>
+        </p:txBody>
+      </p:sp>
+      <p:sp>
+        <p:nvSpPr>
+          <p:cNvPr id="15363" name="Rectangle 3"/>
           <p:cNvSpPr>
             <a:spLocks noGrp="1" noChangeArrowheads="1"/>
           </p:cNvSpPr>
@@ -11214,22 +12080,33 @@
             <a:pPr eaLnBrk="1" hangingPunct="1"/>
             <a:r>
               <a:rPr lang="en-US" smtClean="0"/>
-              <a:t>Enter LOCAL.TABLE, I followed by numeric value in command line</a:t>
+              <a:t>Minimum Char – If entered, the field becomes a mandatory field in the application</a:t>
             </a:r>
           </a:p>
           <a:p>
             <a:pPr eaLnBrk="1" hangingPunct="1"/>
             <a:r>
               <a:rPr lang="en-US" smtClean="0"/>
-              <a:t>Input details in the mandatory as well as other required fields</a:t>
+              <a:t>Char Type – Type of data that can be input in this field</a:t>
             </a:r>
           </a:p>
           <a:p>
             <a:pPr eaLnBrk="1" hangingPunct="1"/>
             <a:r>
               <a:rPr lang="en-US" smtClean="0"/>
-              <a:t>Commit the record</a:t>
-            </a:r>
+              <a:t>Vetting Table – List of predefined values the field can hold</a:t>
+            </a:r>
+          </a:p>
+          <a:p>
+            <a:pPr eaLnBrk="1" hangingPunct="1"/>
+            <a:r>
+              <a:rPr lang="en-US" smtClean="0"/>
+              <a:t>Remark – Enrichment for items in the vetting table</a:t>
+            </a:r>
+          </a:p>
+          <a:p>
+            <a:pPr eaLnBrk="1" hangingPunct="1"/>
+            <a:endParaRPr lang="en-US" smtClean="0"/>
           </a:p>
         </p:txBody>
       </p:sp>
